--- a/К14_ТерентьевДА.pptx
+++ b/К14_ТерентьевДА.pptx
@@ -11,7 +11,19 @@
     <p:sldId id="260" r:id="rId5"/>
     <p:sldId id="261" r:id="rId6"/>
     <p:sldId id="262" r:id="rId7"/>
-    <p:sldId id="263" r:id="rId8"/>
+    <p:sldId id="266" r:id="rId8"/>
+    <p:sldId id="263" r:id="rId9"/>
+    <p:sldId id="268" r:id="rId10"/>
+    <p:sldId id="267" r:id="rId11"/>
+    <p:sldId id="264" r:id="rId12"/>
+    <p:sldId id="265" r:id="rId13"/>
+    <p:sldId id="270" r:id="rId14"/>
+    <p:sldId id="271" r:id="rId15"/>
+    <p:sldId id="272" r:id="rId16"/>
+    <p:sldId id="273" r:id="rId17"/>
+    <p:sldId id="274" r:id="rId18"/>
+    <p:sldId id="275" r:id="rId19"/>
+    <p:sldId id="276" r:id="rId20"/>
   </p:sldIdLst>
   <p:sldSz cx="12192000" cy="6858000"/>
   <p:notesSz cx="6858000" cy="9144000"/>
@@ -121,10 +133,25 @@
             <p14:sldId id="260"/>
             <p14:sldId id="261"/>
             <p14:sldId id="262"/>
+            <p14:sldId id="266"/>
             <p14:sldId id="263"/>
+            <p14:sldId id="268"/>
+            <p14:sldId id="267"/>
+            <p14:sldId id="264"/>
+            <p14:sldId id="265"/>
+            <p14:sldId id="270"/>
+            <p14:sldId id="271"/>
+            <p14:sldId id="272"/>
+            <p14:sldId id="273"/>
+            <p14:sldId id="274"/>
+            <p14:sldId id="275"/>
+            <p14:sldId id="276"/>
           </p14:sldIdLst>
         </p14:section>
       </p14:sectionLst>
+    </p:ext>
+    <p:ext uri="{EFAFB233-063F-42B5-8137-9DF3F51BA10A}">
+      <p15:sldGuideLst xmlns:p15="http://schemas.microsoft.com/office/powerpoint/2012/main"/>
     </p:ext>
   </p:extLst>
 </p:presentation>
@@ -3617,10 +3644,3792 @@
           </a:p>
         </p:txBody>
       </p:sp>
+      <p:sp>
+        <p:nvSpPr>
+          <p:cNvPr id="3" name="Подзаголовок 2">
+            <a:extLst>
+              <a:ext uri="{FF2B5EF4-FFF2-40B4-BE49-F238E27FC236}">
+                <a16:creationId xmlns:a16="http://schemas.microsoft.com/office/drawing/2014/main" id="{48A70747-A37B-E070-7B69-B290F795B96D}"/>
+              </a:ext>
+            </a:extLst>
+          </p:cNvPr>
+          <p:cNvSpPr>
+            <a:spLocks noGrp="1"/>
+          </p:cNvSpPr>
+          <p:nvPr>
+            <p:ph type="subTitle" idx="1"/>
+          </p:nvPr>
+        </p:nvSpPr>
+        <p:spPr>
+          <a:xfrm>
+            <a:off x="2706210" y="4689553"/>
+            <a:ext cx="9144000" cy="1655762"/>
+          </a:xfrm>
+        </p:spPr>
+        <p:txBody>
+          <a:bodyPr/>
+          <a:lstStyle/>
+          <a:p>
+            <a:pPr algn="r"/>
+            <a:r>
+              <a:rPr lang="en-US" dirty="0">
+                <a:latin typeface="Montserrat ExtraLight" panose="00000300000000000000" pitchFamily="2" charset="-52"/>
+              </a:rPr>
+              <a:t>by</a:t>
+            </a:r>
+            <a:r>
+              <a:rPr lang="ru-RU" dirty="0">
+                <a:latin typeface="Montserrat ExtraLight" panose="00000300000000000000" pitchFamily="2" charset="-52"/>
+              </a:rPr>
+              <a:t>: Терентьев Даниил Алексеевич</a:t>
+            </a:r>
+          </a:p>
+        </p:txBody>
+      </p:sp>
     </p:spTree>
     <p:extLst>
       <p:ext uri="{BB962C8B-B14F-4D97-AF65-F5344CB8AC3E}">
         <p14:creationId xmlns:p14="http://schemas.microsoft.com/office/powerpoint/2010/main" val="3502376051"/>
+      </p:ext>
+    </p:extLst>
+  </p:cSld>
+  <p:clrMapOvr>
+    <a:masterClrMapping/>
+  </p:clrMapOvr>
+</p:sld>
+</file>
+
+<file path=ppt/slides/slide10.xml><?xml version="1.0" encoding="utf-8"?>
+<p:sld xmlns:a="http://schemas.openxmlformats.org/drawingml/2006/main" xmlns:r="http://schemas.openxmlformats.org/officeDocument/2006/relationships" xmlns:p="http://schemas.openxmlformats.org/presentationml/2006/main">
+  <p:cSld>
+    <p:bg>
+      <p:bgPr>
+        <a:solidFill>
+          <a:schemeClr val="accent4">
+            <a:lumMod val="20000"/>
+            <a:lumOff val="80000"/>
+            <a:alpha val="30000"/>
+          </a:schemeClr>
+        </a:solidFill>
+        <a:effectLst/>
+      </p:bgPr>
+    </p:bg>
+    <p:spTree>
+      <p:nvGrpSpPr>
+        <p:cNvPr id="1" name=""/>
+        <p:cNvGrpSpPr/>
+        <p:nvPr/>
+      </p:nvGrpSpPr>
+      <p:grpSpPr>
+        <a:xfrm>
+          <a:off x="0" y="0"/>
+          <a:ext cx="0" cy="0"/>
+          <a:chOff x="0" y="0"/>
+          <a:chExt cx="0" cy="0"/>
+        </a:xfrm>
+      </p:grpSpPr>
+      <p:sp>
+        <p:nvSpPr>
+          <p:cNvPr id="2" name="Заголовок 1">
+            <a:extLst>
+              <a:ext uri="{FF2B5EF4-FFF2-40B4-BE49-F238E27FC236}">
+                <a16:creationId xmlns:a16="http://schemas.microsoft.com/office/drawing/2014/main" id="{427CC174-0D2E-D9D8-FED7-5A47DDFB9D1F}"/>
+              </a:ext>
+            </a:extLst>
+          </p:cNvPr>
+          <p:cNvSpPr>
+            <a:spLocks noGrp="1"/>
+          </p:cNvSpPr>
+          <p:nvPr>
+            <p:ph type="title"/>
+          </p:nvPr>
+        </p:nvSpPr>
+        <p:spPr/>
+        <p:txBody>
+          <a:bodyPr/>
+          <a:lstStyle/>
+          <a:p>
+            <a:r>
+              <a:rPr lang="ru-RU" dirty="0">
+                <a:latin typeface="Montserrat" panose="00000500000000000000" pitchFamily="2" charset="-52"/>
+              </a:rPr>
+              <a:t>Код</a:t>
+            </a:r>
+          </a:p>
+        </p:txBody>
+      </p:sp>
+      <p:sp>
+        <p:nvSpPr>
+          <p:cNvPr id="5" name="Прямоугольник 4">
+            <a:extLst>
+              <a:ext uri="{FF2B5EF4-FFF2-40B4-BE49-F238E27FC236}">
+                <a16:creationId xmlns:a16="http://schemas.microsoft.com/office/drawing/2014/main" id="{0403912F-8CD5-EA52-4B22-CBA7ECD5EA8E}"/>
+              </a:ext>
+            </a:extLst>
+          </p:cNvPr>
+          <p:cNvSpPr/>
+          <p:nvPr/>
+        </p:nvSpPr>
+        <p:spPr>
+          <a:xfrm>
+            <a:off x="1" y="772357"/>
+            <a:ext cx="838200" cy="461639"/>
+          </a:xfrm>
+          <a:prstGeom prst="rect">
+            <a:avLst/>
+          </a:prstGeom>
+          <a:solidFill>
+            <a:schemeClr val="accent2">
+              <a:lumMod val="20000"/>
+              <a:lumOff val="80000"/>
+            </a:schemeClr>
+          </a:solidFill>
+          <a:ln>
+            <a:noFill/>
+          </a:ln>
+        </p:spPr>
+        <p:style>
+          <a:lnRef idx="2">
+            <a:schemeClr val="accent1">
+              <a:shade val="50000"/>
+            </a:schemeClr>
+          </a:lnRef>
+          <a:fillRef idx="1">
+            <a:schemeClr val="accent1"/>
+          </a:fillRef>
+          <a:effectRef idx="0">
+            <a:schemeClr val="accent1"/>
+          </a:effectRef>
+          <a:fontRef idx="minor">
+            <a:schemeClr val="lt1"/>
+          </a:fontRef>
+        </p:style>
+        <p:txBody>
+          <a:bodyPr rtlCol="0" anchor="ctr"/>
+          <a:lstStyle/>
+          <a:p>
+            <a:pPr algn="ctr"/>
+            <a:endParaRPr lang="ru-RU"/>
+          </a:p>
+        </p:txBody>
+      </p:sp>
+      <p:sp>
+        <p:nvSpPr>
+          <p:cNvPr id="6" name="Прямоугольник 5">
+            <a:extLst>
+              <a:ext uri="{FF2B5EF4-FFF2-40B4-BE49-F238E27FC236}">
+                <a16:creationId xmlns:a16="http://schemas.microsoft.com/office/drawing/2014/main" id="{F5DCBE3F-D532-C58A-A17E-F18EE4FA97E9}"/>
+              </a:ext>
+            </a:extLst>
+          </p:cNvPr>
+          <p:cNvSpPr/>
+          <p:nvPr/>
+        </p:nvSpPr>
+        <p:spPr>
+          <a:xfrm>
+            <a:off x="2166257" y="797086"/>
+            <a:ext cx="10025741" cy="461639"/>
+          </a:xfrm>
+          <a:prstGeom prst="rect">
+            <a:avLst/>
+          </a:prstGeom>
+          <a:solidFill>
+            <a:schemeClr val="accent2">
+              <a:lumMod val="20000"/>
+              <a:lumOff val="80000"/>
+            </a:schemeClr>
+          </a:solidFill>
+          <a:ln>
+            <a:noFill/>
+          </a:ln>
+        </p:spPr>
+        <p:style>
+          <a:lnRef idx="2">
+            <a:schemeClr val="accent1">
+              <a:shade val="50000"/>
+            </a:schemeClr>
+          </a:lnRef>
+          <a:fillRef idx="1">
+            <a:schemeClr val="accent1"/>
+          </a:fillRef>
+          <a:effectRef idx="0">
+            <a:schemeClr val="accent1"/>
+          </a:effectRef>
+          <a:fontRef idx="minor">
+            <a:schemeClr val="lt1"/>
+          </a:fontRef>
+        </p:style>
+        <p:txBody>
+          <a:bodyPr rtlCol="0" anchor="ctr"/>
+          <a:lstStyle/>
+          <a:p>
+            <a:pPr algn="ctr"/>
+            <a:endParaRPr lang="ru-RU"/>
+          </a:p>
+        </p:txBody>
+      </p:sp>
+      <p:sp>
+        <p:nvSpPr>
+          <p:cNvPr id="7" name="Объект 6">
+            <a:extLst>
+              <a:ext uri="{FF2B5EF4-FFF2-40B4-BE49-F238E27FC236}">
+                <a16:creationId xmlns:a16="http://schemas.microsoft.com/office/drawing/2014/main" id="{91E89D5E-1B9F-45A4-C725-FD500D19CD60}"/>
+              </a:ext>
+            </a:extLst>
+          </p:cNvPr>
+          <p:cNvSpPr>
+            <a:spLocks noGrp="1"/>
+          </p:cNvSpPr>
+          <p:nvPr>
+            <p:ph idx="1"/>
+          </p:nvPr>
+        </p:nvSpPr>
+        <p:spPr>
+          <a:xfrm>
+            <a:off x="6531428" y="1709576"/>
+            <a:ext cx="5208973" cy="4351338"/>
+          </a:xfrm>
+        </p:spPr>
+        <p:txBody>
+          <a:bodyPr>
+            <a:normAutofit/>
+          </a:bodyPr>
+          <a:lstStyle/>
+          <a:p>
+            <a:pPr marL="0" indent="0">
+              <a:buNone/>
+            </a:pPr>
+            <a:r>
+              <a:rPr lang="ru-RU" sz="3600" dirty="0">
+                <a:latin typeface="Montserrat Light" panose="00000400000000000000" pitchFamily="2" charset="-52"/>
+              </a:rPr>
+              <a:t>Таким образом был реализован алгоритм </a:t>
+            </a:r>
+            <a:r>
+              <a:rPr lang="ru-RU" sz="3600" b="1" dirty="0">
+                <a:latin typeface="Montserrat Light" panose="00000400000000000000" pitchFamily="2" charset="-52"/>
+              </a:rPr>
+              <a:t>Нормального распределения </a:t>
+            </a:r>
+            <a:r>
+              <a:rPr lang="en-US" sz="3600" dirty="0">
+                <a:latin typeface="Montserrat Light" panose="00000400000000000000" pitchFamily="2" charset="-52"/>
+              </a:rPr>
+              <a:t>(Normal Distribution)</a:t>
+            </a:r>
+            <a:endParaRPr lang="ru-RU" sz="3600" dirty="0">
+              <a:latin typeface="Montserrat Light" panose="00000400000000000000" pitchFamily="2" charset="-52"/>
+            </a:endParaRPr>
+          </a:p>
+        </p:txBody>
+      </p:sp>
+      <p:sp>
+        <p:nvSpPr>
+          <p:cNvPr id="3" name="Прямоугольник 2">
+            <a:extLst>
+              <a:ext uri="{FF2B5EF4-FFF2-40B4-BE49-F238E27FC236}">
+                <a16:creationId xmlns:a16="http://schemas.microsoft.com/office/drawing/2014/main" id="{BE04F6F8-B7BF-41B7-4787-E1C09C148AA5}"/>
+              </a:ext>
+            </a:extLst>
+          </p:cNvPr>
+          <p:cNvSpPr/>
+          <p:nvPr/>
+        </p:nvSpPr>
+        <p:spPr>
+          <a:xfrm>
+            <a:off x="261257" y="1589314"/>
+            <a:ext cx="5834743" cy="4996543"/>
+          </a:xfrm>
+          <a:prstGeom prst="rect">
+            <a:avLst/>
+          </a:prstGeom>
+          <a:solidFill>
+            <a:schemeClr val="tx1">
+              <a:lumMod val="85000"/>
+              <a:lumOff val="15000"/>
+            </a:schemeClr>
+          </a:solidFill>
+          <a:ln>
+            <a:noFill/>
+          </a:ln>
+        </p:spPr>
+        <p:style>
+          <a:lnRef idx="2">
+            <a:schemeClr val="accent1">
+              <a:shade val="15000"/>
+            </a:schemeClr>
+          </a:lnRef>
+          <a:fillRef idx="1">
+            <a:schemeClr val="accent1"/>
+          </a:fillRef>
+          <a:effectRef idx="0">
+            <a:schemeClr val="accent1"/>
+          </a:effectRef>
+          <a:fontRef idx="minor">
+            <a:schemeClr val="lt1"/>
+          </a:fontRef>
+        </p:style>
+        <p:txBody>
+          <a:bodyPr rtlCol="0" anchor="ctr"/>
+          <a:lstStyle/>
+          <a:p>
+            <a:r>
+              <a:rPr lang="en" dirty="0">
+                <a:solidFill>
+                  <a:srgbClr val="FFC000"/>
+                </a:solidFill>
+              </a:rPr>
+              <a:t>def</a:t>
+            </a:r>
+            <a:r>
+              <a:rPr lang="en" dirty="0"/>
+              <a:t> </a:t>
+            </a:r>
+            <a:r>
+              <a:rPr lang="en" dirty="0">
+                <a:solidFill>
+                  <a:schemeClr val="accent2">
+                    <a:lumMod val="75000"/>
+                  </a:schemeClr>
+                </a:solidFill>
+              </a:rPr>
+              <a:t>algorithm1</a:t>
+            </a:r>
+            <a:r>
+              <a:rPr lang="en" dirty="0"/>
+              <a:t>(image, pos1, pos2):</a:t>
+            </a:r>
+          </a:p>
+          <a:p>
+            <a:r>
+              <a:rPr lang="en" dirty="0"/>
+              <a:t>    </a:t>
+            </a:r>
+            <a:r>
+              <a:rPr lang="en" dirty="0">
+                <a:solidFill>
+                  <a:srgbClr val="FFC000"/>
+                </a:solidFill>
+              </a:rPr>
+              <a:t>if</a:t>
+            </a:r>
+            <a:r>
+              <a:rPr lang="en" dirty="0"/>
+              <a:t> pos1 == </a:t>
+            </a:r>
+            <a:r>
+              <a:rPr lang="en" dirty="0">
+                <a:solidFill>
+                  <a:schemeClr val="accent1">
+                    <a:lumMod val="40000"/>
+                    <a:lumOff val="60000"/>
+                  </a:schemeClr>
+                </a:solidFill>
+              </a:rPr>
+              <a:t>0</a:t>
+            </a:r>
+            <a:r>
+              <a:rPr lang="en" dirty="0"/>
+              <a:t> </a:t>
+            </a:r>
+            <a:r>
+              <a:rPr lang="en" dirty="0">
+                <a:solidFill>
+                  <a:srgbClr val="FFC000"/>
+                </a:solidFill>
+              </a:rPr>
+              <a:t>or</a:t>
+            </a:r>
+            <a:r>
+              <a:rPr lang="en" dirty="0"/>
+              <a:t> pos2 == </a:t>
+            </a:r>
+            <a:r>
+              <a:rPr lang="en" dirty="0">
+                <a:solidFill>
+                  <a:schemeClr val="accent1">
+                    <a:lumMod val="40000"/>
+                    <a:lumOff val="60000"/>
+                  </a:schemeClr>
+                </a:solidFill>
+              </a:rPr>
+              <a:t>0</a:t>
+            </a:r>
+            <a:r>
+              <a:rPr lang="en" dirty="0"/>
+              <a:t>:</a:t>
+            </a:r>
+          </a:p>
+          <a:p>
+            <a:r>
+              <a:rPr lang="en" dirty="0"/>
+              <a:t>        </a:t>
+            </a:r>
+            <a:r>
+              <a:rPr lang="en" dirty="0">
+                <a:solidFill>
+                  <a:srgbClr val="FFC000"/>
+                </a:solidFill>
+              </a:rPr>
+              <a:t>return</a:t>
+            </a:r>
+            <a:r>
+              <a:rPr lang="en" dirty="0"/>
+              <a:t> image</a:t>
+            </a:r>
+          </a:p>
+          <a:p>
+            <a:endParaRPr lang="en" dirty="0"/>
+          </a:p>
+          <a:p>
+            <a:r>
+              <a:rPr lang="en" dirty="0"/>
+              <a:t>    </a:t>
+            </a:r>
+            <a:r>
+              <a:rPr lang="en" dirty="0" err="1"/>
+              <a:t>array_image</a:t>
+            </a:r>
+            <a:r>
+              <a:rPr lang="en" dirty="0"/>
+              <a:t> = </a:t>
+            </a:r>
+            <a:r>
+              <a:rPr lang="en" dirty="0" err="1"/>
+              <a:t>np.array</a:t>
+            </a:r>
+            <a:r>
+              <a:rPr lang="en" dirty="0"/>
+              <a:t>(image, </a:t>
+            </a:r>
+            <a:r>
+              <a:rPr lang="en" dirty="0" err="1">
+                <a:solidFill>
+                  <a:srgbClr val="C00000"/>
+                </a:solidFill>
+              </a:rPr>
+              <a:t>dtype</a:t>
+            </a:r>
+            <a:r>
+              <a:rPr lang="en" dirty="0"/>
+              <a:t>=np.uint8)</a:t>
+            </a:r>
+          </a:p>
+          <a:p>
+            <a:endParaRPr lang="en" dirty="0"/>
+          </a:p>
+          <a:p>
+            <a:r>
+              <a:rPr lang="en" dirty="0"/>
+              <a:t>    </a:t>
+            </a:r>
+            <a:r>
+              <a:rPr lang="en" dirty="0" err="1"/>
+              <a:t>normal_distribution</a:t>
+            </a:r>
+            <a:r>
+              <a:rPr lang="en" dirty="0"/>
+              <a:t> = </a:t>
+            </a:r>
+            <a:r>
+              <a:rPr lang="en" dirty="0" err="1"/>
+              <a:t>np.random.normal</a:t>
+            </a:r>
+            <a:r>
+              <a:rPr lang="en" dirty="0"/>
+              <a:t>(</a:t>
+            </a:r>
+            <a:r>
+              <a:rPr lang="en" dirty="0">
+                <a:solidFill>
+                  <a:schemeClr val="accent1">
+                    <a:lumMod val="40000"/>
+                    <a:lumOff val="60000"/>
+                  </a:schemeClr>
+                </a:solidFill>
+              </a:rPr>
+              <a:t>0</a:t>
+            </a:r>
+            <a:r>
+              <a:rPr lang="en" dirty="0"/>
+              <a:t>, pos1 * pos2, 			</a:t>
+            </a:r>
+            <a:r>
+              <a:rPr lang="en" dirty="0" err="1"/>
+              <a:t>array_image.shape</a:t>
+            </a:r>
+            <a:r>
+              <a:rPr lang="en" dirty="0"/>
+              <a:t>)</a:t>
+            </a:r>
+          </a:p>
+          <a:p>
+            <a:r>
+              <a:rPr lang="en" dirty="0"/>
+              <a:t>    </a:t>
+            </a:r>
+            <a:r>
+              <a:rPr lang="en" dirty="0" err="1"/>
+              <a:t>normal_distribution_img</a:t>
+            </a:r>
+            <a:r>
+              <a:rPr lang="en" dirty="0"/>
+              <a:t> = </a:t>
+            </a:r>
+            <a:r>
+              <a:rPr lang="en" dirty="0" err="1"/>
+              <a:t>array_image</a:t>
+            </a:r>
+            <a:r>
+              <a:rPr lang="en" dirty="0"/>
+              <a:t> + 			</a:t>
+            </a:r>
+            <a:r>
+              <a:rPr lang="en" dirty="0" err="1"/>
+              <a:t>normal_distribution.astype</a:t>
+            </a:r>
+            <a:r>
+              <a:rPr lang="en" dirty="0"/>
+              <a:t>(np.uint8)</a:t>
+            </a:r>
+          </a:p>
+          <a:p>
+            <a:r>
+              <a:rPr lang="en" dirty="0"/>
+              <a:t>    result = </a:t>
+            </a:r>
+            <a:r>
+              <a:rPr lang="en" dirty="0" err="1"/>
+              <a:t>Image.fromarray</a:t>
+            </a:r>
+            <a:r>
+              <a:rPr lang="en" dirty="0"/>
+              <a:t>(</a:t>
+            </a:r>
+            <a:r>
+              <a:rPr lang="en" dirty="0" err="1"/>
+              <a:t>normal_distribution_img</a:t>
+            </a:r>
+            <a:r>
+              <a:rPr lang="en" dirty="0"/>
+              <a:t>)</a:t>
+            </a:r>
+          </a:p>
+          <a:p>
+            <a:r>
+              <a:rPr lang="en" dirty="0"/>
+              <a:t>    </a:t>
+            </a:r>
+            <a:r>
+              <a:rPr lang="en" dirty="0">
+                <a:solidFill>
+                  <a:srgbClr val="FFC000"/>
+                </a:solidFill>
+              </a:rPr>
+              <a:t>return</a:t>
+            </a:r>
+            <a:r>
+              <a:rPr lang="en" dirty="0"/>
+              <a:t> result</a:t>
+            </a:r>
+            <a:endParaRPr lang="ru-RU" dirty="0"/>
+          </a:p>
+        </p:txBody>
+      </p:sp>
+    </p:spTree>
+    <p:extLst>
+      <p:ext uri="{BB962C8B-B14F-4D97-AF65-F5344CB8AC3E}">
+        <p14:creationId xmlns:p14="http://schemas.microsoft.com/office/powerpoint/2010/main" val="2943638794"/>
+      </p:ext>
+    </p:extLst>
+  </p:cSld>
+  <p:clrMapOvr>
+    <a:masterClrMapping/>
+  </p:clrMapOvr>
+</p:sld>
+</file>
+
+<file path=ppt/slides/slide11.xml><?xml version="1.0" encoding="utf-8"?>
+<p:sld xmlns:a="http://schemas.openxmlformats.org/drawingml/2006/main" xmlns:r="http://schemas.openxmlformats.org/officeDocument/2006/relationships" xmlns:p="http://schemas.openxmlformats.org/presentationml/2006/main">
+  <p:cSld>
+    <p:bg>
+      <p:bgPr>
+        <a:solidFill>
+          <a:schemeClr val="accent4">
+            <a:lumMod val="20000"/>
+            <a:lumOff val="80000"/>
+            <a:alpha val="30000"/>
+          </a:schemeClr>
+        </a:solidFill>
+        <a:effectLst/>
+      </p:bgPr>
+    </p:bg>
+    <p:spTree>
+      <p:nvGrpSpPr>
+        <p:cNvPr id="1" name=""/>
+        <p:cNvGrpSpPr/>
+        <p:nvPr/>
+      </p:nvGrpSpPr>
+      <p:grpSpPr>
+        <a:xfrm>
+          <a:off x="0" y="0"/>
+          <a:ext cx="0" cy="0"/>
+          <a:chOff x="0" y="0"/>
+          <a:chExt cx="0" cy="0"/>
+        </a:xfrm>
+      </p:grpSpPr>
+      <p:sp>
+        <p:nvSpPr>
+          <p:cNvPr id="2" name="Заголовок 1">
+            <a:extLst>
+              <a:ext uri="{FF2B5EF4-FFF2-40B4-BE49-F238E27FC236}">
+                <a16:creationId xmlns:a16="http://schemas.microsoft.com/office/drawing/2014/main" id="{427CC174-0D2E-D9D8-FED7-5A47DDFB9D1F}"/>
+              </a:ext>
+            </a:extLst>
+          </p:cNvPr>
+          <p:cNvSpPr>
+            <a:spLocks noGrp="1"/>
+          </p:cNvSpPr>
+          <p:nvPr>
+            <p:ph type="title"/>
+          </p:nvPr>
+        </p:nvSpPr>
+        <p:spPr/>
+        <p:txBody>
+          <a:bodyPr/>
+          <a:lstStyle/>
+          <a:p>
+            <a:r>
+              <a:rPr lang="ru-RU" dirty="0">
+                <a:latin typeface="Montserrat" panose="00000500000000000000" pitchFamily="2" charset="-52"/>
+              </a:rPr>
+              <a:t>Код</a:t>
+            </a:r>
+          </a:p>
+        </p:txBody>
+      </p:sp>
+      <p:sp>
+        <p:nvSpPr>
+          <p:cNvPr id="5" name="Прямоугольник 4">
+            <a:extLst>
+              <a:ext uri="{FF2B5EF4-FFF2-40B4-BE49-F238E27FC236}">
+                <a16:creationId xmlns:a16="http://schemas.microsoft.com/office/drawing/2014/main" id="{0403912F-8CD5-EA52-4B22-CBA7ECD5EA8E}"/>
+              </a:ext>
+            </a:extLst>
+          </p:cNvPr>
+          <p:cNvSpPr/>
+          <p:nvPr/>
+        </p:nvSpPr>
+        <p:spPr>
+          <a:xfrm>
+            <a:off x="1" y="772357"/>
+            <a:ext cx="838200" cy="461639"/>
+          </a:xfrm>
+          <a:prstGeom prst="rect">
+            <a:avLst/>
+          </a:prstGeom>
+          <a:solidFill>
+            <a:schemeClr val="accent2">
+              <a:lumMod val="20000"/>
+              <a:lumOff val="80000"/>
+            </a:schemeClr>
+          </a:solidFill>
+          <a:ln>
+            <a:noFill/>
+          </a:ln>
+        </p:spPr>
+        <p:style>
+          <a:lnRef idx="2">
+            <a:schemeClr val="accent1">
+              <a:shade val="50000"/>
+            </a:schemeClr>
+          </a:lnRef>
+          <a:fillRef idx="1">
+            <a:schemeClr val="accent1"/>
+          </a:fillRef>
+          <a:effectRef idx="0">
+            <a:schemeClr val="accent1"/>
+          </a:effectRef>
+          <a:fontRef idx="minor">
+            <a:schemeClr val="lt1"/>
+          </a:fontRef>
+        </p:style>
+        <p:txBody>
+          <a:bodyPr rtlCol="0" anchor="ctr"/>
+          <a:lstStyle/>
+          <a:p>
+            <a:pPr algn="ctr"/>
+            <a:endParaRPr lang="ru-RU"/>
+          </a:p>
+        </p:txBody>
+      </p:sp>
+      <p:sp>
+        <p:nvSpPr>
+          <p:cNvPr id="6" name="Прямоугольник 5">
+            <a:extLst>
+              <a:ext uri="{FF2B5EF4-FFF2-40B4-BE49-F238E27FC236}">
+                <a16:creationId xmlns:a16="http://schemas.microsoft.com/office/drawing/2014/main" id="{F5DCBE3F-D532-C58A-A17E-F18EE4FA97E9}"/>
+              </a:ext>
+            </a:extLst>
+          </p:cNvPr>
+          <p:cNvSpPr/>
+          <p:nvPr/>
+        </p:nvSpPr>
+        <p:spPr>
+          <a:xfrm>
+            <a:off x="2166257" y="797086"/>
+            <a:ext cx="10025741" cy="461639"/>
+          </a:xfrm>
+          <a:prstGeom prst="rect">
+            <a:avLst/>
+          </a:prstGeom>
+          <a:solidFill>
+            <a:schemeClr val="accent2">
+              <a:lumMod val="20000"/>
+              <a:lumOff val="80000"/>
+            </a:schemeClr>
+          </a:solidFill>
+          <a:ln>
+            <a:noFill/>
+          </a:ln>
+        </p:spPr>
+        <p:style>
+          <a:lnRef idx="2">
+            <a:schemeClr val="accent1">
+              <a:shade val="50000"/>
+            </a:schemeClr>
+          </a:lnRef>
+          <a:fillRef idx="1">
+            <a:schemeClr val="accent1"/>
+          </a:fillRef>
+          <a:effectRef idx="0">
+            <a:schemeClr val="accent1"/>
+          </a:effectRef>
+          <a:fontRef idx="minor">
+            <a:schemeClr val="lt1"/>
+          </a:fontRef>
+        </p:style>
+        <p:txBody>
+          <a:bodyPr rtlCol="0" anchor="ctr"/>
+          <a:lstStyle/>
+          <a:p>
+            <a:pPr algn="ctr"/>
+            <a:endParaRPr lang="ru-RU"/>
+          </a:p>
+        </p:txBody>
+      </p:sp>
+      <p:sp>
+        <p:nvSpPr>
+          <p:cNvPr id="7" name="Объект 6">
+            <a:extLst>
+              <a:ext uri="{FF2B5EF4-FFF2-40B4-BE49-F238E27FC236}">
+                <a16:creationId xmlns:a16="http://schemas.microsoft.com/office/drawing/2014/main" id="{91E89D5E-1B9F-45A4-C725-FD500D19CD60}"/>
+              </a:ext>
+            </a:extLst>
+          </p:cNvPr>
+          <p:cNvSpPr>
+            <a:spLocks noGrp="1"/>
+          </p:cNvSpPr>
+          <p:nvPr>
+            <p:ph idx="1"/>
+          </p:nvPr>
+        </p:nvSpPr>
+        <p:spPr>
+          <a:xfrm>
+            <a:off x="6531428" y="1709576"/>
+            <a:ext cx="5208973" cy="4351338"/>
+          </a:xfrm>
+        </p:spPr>
+        <p:txBody>
+          <a:bodyPr>
+            <a:normAutofit/>
+          </a:bodyPr>
+          <a:lstStyle/>
+          <a:p>
+            <a:pPr marL="0" indent="0">
+              <a:buNone/>
+            </a:pPr>
+            <a:r>
+              <a:rPr lang="ru-RU" sz="3600" dirty="0">
+                <a:latin typeface="Montserrat Light" panose="00000400000000000000" pitchFamily="2" charset="-52"/>
+              </a:rPr>
+              <a:t>Алгоритм </a:t>
+            </a:r>
+            <a:r>
+              <a:rPr lang="ru-RU" sz="3600" b="1" dirty="0">
+                <a:latin typeface="Montserrat Light" panose="00000400000000000000" pitchFamily="2" charset="-52"/>
+              </a:rPr>
+              <a:t>Шума Гаусса</a:t>
+            </a:r>
+            <a:r>
+              <a:rPr lang="en-US" sz="3600" dirty="0">
+                <a:latin typeface="Montserrat Light" panose="00000400000000000000" pitchFamily="2" charset="-52"/>
+              </a:rPr>
+              <a:t>(</a:t>
+            </a:r>
+            <a:r>
+              <a:rPr lang="en-US" sz="3600" dirty="0" err="1">
+                <a:latin typeface="Montserrat Light" panose="00000400000000000000" pitchFamily="2" charset="-52"/>
+              </a:rPr>
+              <a:t>Gaussan</a:t>
+            </a:r>
+            <a:r>
+              <a:rPr lang="en-US" sz="3600" dirty="0">
+                <a:latin typeface="Montserrat Light" panose="00000400000000000000" pitchFamily="2" charset="-52"/>
+              </a:rPr>
+              <a:t>)</a:t>
+            </a:r>
+            <a:r>
+              <a:rPr lang="ru-RU" sz="3600" dirty="0">
+                <a:latin typeface="Montserrat Light" panose="00000400000000000000" pitchFamily="2" charset="-52"/>
+              </a:rPr>
+              <a:t> реализует эта функция</a:t>
+            </a:r>
+          </a:p>
+        </p:txBody>
+      </p:sp>
+      <p:sp>
+        <p:nvSpPr>
+          <p:cNvPr id="3" name="Прямоугольник 2">
+            <a:extLst>
+              <a:ext uri="{FF2B5EF4-FFF2-40B4-BE49-F238E27FC236}">
+                <a16:creationId xmlns:a16="http://schemas.microsoft.com/office/drawing/2014/main" id="{BE04F6F8-B7BF-41B7-4787-E1C09C148AA5}"/>
+              </a:ext>
+            </a:extLst>
+          </p:cNvPr>
+          <p:cNvSpPr/>
+          <p:nvPr/>
+        </p:nvSpPr>
+        <p:spPr>
+          <a:xfrm>
+            <a:off x="261257" y="1589314"/>
+            <a:ext cx="5834743" cy="4996543"/>
+          </a:xfrm>
+          <a:prstGeom prst="rect">
+            <a:avLst/>
+          </a:prstGeom>
+          <a:solidFill>
+            <a:schemeClr val="tx1">
+              <a:lumMod val="85000"/>
+              <a:lumOff val="15000"/>
+            </a:schemeClr>
+          </a:solidFill>
+          <a:ln>
+            <a:noFill/>
+          </a:ln>
+        </p:spPr>
+        <p:style>
+          <a:lnRef idx="2">
+            <a:schemeClr val="accent1">
+              <a:shade val="15000"/>
+            </a:schemeClr>
+          </a:lnRef>
+          <a:fillRef idx="1">
+            <a:schemeClr val="accent1"/>
+          </a:fillRef>
+          <a:effectRef idx="0">
+            <a:schemeClr val="accent1"/>
+          </a:effectRef>
+          <a:fontRef idx="minor">
+            <a:schemeClr val="lt1"/>
+          </a:fontRef>
+        </p:style>
+        <p:txBody>
+          <a:bodyPr rtlCol="0" anchor="ctr"/>
+          <a:lstStyle/>
+          <a:p>
+            <a:r>
+              <a:rPr lang="en" dirty="0">
+                <a:solidFill>
+                  <a:srgbClr val="FFC000"/>
+                </a:solidFill>
+              </a:rPr>
+              <a:t>def</a:t>
+            </a:r>
+            <a:r>
+              <a:rPr lang="en" dirty="0">
+                <a:solidFill>
+                  <a:schemeClr val="bg1"/>
+                </a:solidFill>
+              </a:rPr>
+              <a:t> </a:t>
+            </a:r>
+            <a:r>
+              <a:rPr lang="en" dirty="0">
+                <a:solidFill>
+                  <a:schemeClr val="accent2">
+                    <a:lumMod val="75000"/>
+                  </a:schemeClr>
+                </a:solidFill>
+              </a:rPr>
+              <a:t>algorithm2</a:t>
+            </a:r>
+            <a:r>
+              <a:rPr lang="en" dirty="0">
+                <a:solidFill>
+                  <a:schemeClr val="bg1"/>
+                </a:solidFill>
+              </a:rPr>
+              <a:t>(image, pos1, pos2):</a:t>
+            </a:r>
+          </a:p>
+          <a:p>
+            <a:r>
+              <a:rPr lang="en" dirty="0">
+                <a:solidFill>
+                  <a:schemeClr val="bg1"/>
+                </a:solidFill>
+              </a:rPr>
+              <a:t>    </a:t>
+            </a:r>
+            <a:r>
+              <a:rPr lang="en" dirty="0" err="1">
+                <a:solidFill>
+                  <a:schemeClr val="bg1"/>
+                </a:solidFill>
+              </a:rPr>
+              <a:t>array_image</a:t>
+            </a:r>
+            <a:r>
+              <a:rPr lang="en" dirty="0">
+                <a:solidFill>
+                  <a:schemeClr val="bg1"/>
+                </a:solidFill>
+              </a:rPr>
+              <a:t> = </a:t>
+            </a:r>
+            <a:r>
+              <a:rPr lang="en" dirty="0" err="1">
+                <a:solidFill>
+                  <a:schemeClr val="bg1"/>
+                </a:solidFill>
+              </a:rPr>
+              <a:t>np.array</a:t>
+            </a:r>
+            <a:r>
+              <a:rPr lang="en" dirty="0">
+                <a:solidFill>
+                  <a:schemeClr val="bg1"/>
+                </a:solidFill>
+              </a:rPr>
+              <a:t>(image, </a:t>
+            </a:r>
+            <a:r>
+              <a:rPr lang="en" dirty="0" err="1">
+                <a:solidFill>
+                  <a:srgbClr val="C00000"/>
+                </a:solidFill>
+              </a:rPr>
+              <a:t>dtype</a:t>
+            </a:r>
+            <a:r>
+              <a:rPr lang="en" dirty="0">
+                <a:solidFill>
+                  <a:schemeClr val="bg1"/>
+                </a:solidFill>
+              </a:rPr>
+              <a:t>=np.uint8)</a:t>
+            </a:r>
+          </a:p>
+          <a:p>
+            <a:r>
+              <a:rPr lang="en" dirty="0">
+                <a:solidFill>
+                  <a:schemeClr val="bg1"/>
+                </a:solidFill>
+              </a:rPr>
+              <a:t>    </a:t>
+            </a:r>
+            <a:r>
+              <a:rPr lang="en" dirty="0" err="1">
+                <a:solidFill>
+                  <a:schemeClr val="bg1"/>
+                </a:solidFill>
+              </a:rPr>
+              <a:t>gaussian_noise</a:t>
+            </a:r>
+            <a:r>
+              <a:rPr lang="en" dirty="0">
+                <a:solidFill>
+                  <a:schemeClr val="bg1"/>
+                </a:solidFill>
+              </a:rPr>
+              <a:t> = </a:t>
+            </a:r>
+            <a:r>
+              <a:rPr lang="en" dirty="0" err="1">
+                <a:solidFill>
+                  <a:schemeClr val="bg1"/>
+                </a:solidFill>
+              </a:rPr>
+              <a:t>np.zeros</a:t>
+            </a:r>
+            <a:r>
+              <a:rPr lang="en" dirty="0">
+                <a:solidFill>
+                  <a:schemeClr val="bg1"/>
+                </a:solidFill>
+              </a:rPr>
+              <a:t>(</a:t>
+            </a:r>
+            <a:r>
+              <a:rPr lang="en" dirty="0" err="1">
+                <a:solidFill>
+                  <a:schemeClr val="bg1"/>
+                </a:solidFill>
+              </a:rPr>
+              <a:t>array_image.shape</a:t>
+            </a:r>
+            <a:r>
+              <a:rPr lang="en" dirty="0">
+                <a:solidFill>
+                  <a:schemeClr val="bg1"/>
+                </a:solidFill>
+              </a:rPr>
+              <a:t>, 					</a:t>
+            </a:r>
+            <a:r>
+              <a:rPr lang="en" dirty="0" err="1">
+                <a:solidFill>
+                  <a:srgbClr val="C00000"/>
+                </a:solidFill>
+              </a:rPr>
+              <a:t>dtype</a:t>
+            </a:r>
+            <a:r>
+              <a:rPr lang="en" dirty="0">
+                <a:solidFill>
+                  <a:schemeClr val="bg1"/>
+                </a:solidFill>
+              </a:rPr>
+              <a:t>=np.uint8)</a:t>
+            </a:r>
+          </a:p>
+          <a:p>
+            <a:r>
+              <a:rPr lang="en" dirty="0">
+                <a:solidFill>
+                  <a:schemeClr val="bg1"/>
+                </a:solidFill>
+              </a:rPr>
+              <a:t>    cv2.randn(</a:t>
+            </a:r>
+            <a:r>
+              <a:rPr lang="en" dirty="0" err="1">
+                <a:solidFill>
+                  <a:schemeClr val="bg1"/>
+                </a:solidFill>
+              </a:rPr>
+              <a:t>gaussian_noise</a:t>
+            </a:r>
+            <a:r>
+              <a:rPr lang="en" dirty="0">
+                <a:solidFill>
+                  <a:schemeClr val="bg1"/>
+                </a:solidFill>
+              </a:rPr>
+              <a:t>, pos1, pos2)</a:t>
+            </a:r>
+          </a:p>
+          <a:p>
+            <a:r>
+              <a:rPr lang="en" dirty="0">
+                <a:solidFill>
+                  <a:schemeClr val="bg1"/>
+                </a:solidFill>
+              </a:rPr>
+              <a:t>    </a:t>
+            </a:r>
+            <a:r>
+              <a:rPr lang="en" dirty="0" err="1">
+                <a:solidFill>
+                  <a:schemeClr val="bg1"/>
+                </a:solidFill>
+              </a:rPr>
+              <a:t>gaussian_noise</a:t>
+            </a:r>
+            <a:r>
+              <a:rPr lang="en" dirty="0">
+                <a:solidFill>
+                  <a:schemeClr val="bg1"/>
+                </a:solidFill>
+              </a:rPr>
+              <a:t> = </a:t>
+            </a:r>
+            <a:r>
+              <a:rPr lang="en" dirty="0" err="1">
+                <a:solidFill>
+                  <a:schemeClr val="bg1"/>
+                </a:solidFill>
+              </a:rPr>
+              <a:t>gaussian_noise.astype</a:t>
+            </a:r>
+            <a:r>
+              <a:rPr lang="en" dirty="0">
+                <a:solidFill>
+                  <a:schemeClr val="bg1"/>
+                </a:solidFill>
+              </a:rPr>
+              <a:t>(np.uint8)</a:t>
+            </a:r>
+          </a:p>
+          <a:p>
+            <a:r>
+              <a:rPr lang="en" dirty="0">
+                <a:solidFill>
+                  <a:schemeClr val="bg1"/>
+                </a:solidFill>
+              </a:rPr>
+              <a:t>    </a:t>
+            </a:r>
+            <a:r>
+              <a:rPr lang="en" dirty="0" err="1">
+                <a:solidFill>
+                  <a:schemeClr val="bg1"/>
+                </a:solidFill>
+              </a:rPr>
+              <a:t>gaussian_noise_img</a:t>
+            </a:r>
+            <a:r>
+              <a:rPr lang="en" dirty="0">
+                <a:solidFill>
+                  <a:schemeClr val="bg1"/>
+                </a:solidFill>
+              </a:rPr>
+              <a:t> = cv2.add(</a:t>
+            </a:r>
+            <a:r>
+              <a:rPr lang="en" dirty="0" err="1">
+                <a:solidFill>
+                  <a:schemeClr val="bg1"/>
+                </a:solidFill>
+              </a:rPr>
+              <a:t>array_image</a:t>
+            </a:r>
+            <a:r>
+              <a:rPr lang="en" dirty="0">
+                <a:solidFill>
+                  <a:schemeClr val="bg1"/>
+                </a:solidFill>
+              </a:rPr>
+              <a:t>, 					</a:t>
+            </a:r>
+            <a:r>
+              <a:rPr lang="en" dirty="0" err="1">
+                <a:solidFill>
+                  <a:schemeClr val="bg1"/>
+                </a:solidFill>
+              </a:rPr>
+              <a:t>gaussian_noise</a:t>
+            </a:r>
+            <a:r>
+              <a:rPr lang="en" dirty="0">
+                <a:solidFill>
+                  <a:schemeClr val="bg1"/>
+                </a:solidFill>
+              </a:rPr>
+              <a:t>)</a:t>
+            </a:r>
+          </a:p>
+          <a:p>
+            <a:r>
+              <a:rPr lang="en" dirty="0">
+                <a:solidFill>
+                  <a:schemeClr val="bg1"/>
+                </a:solidFill>
+              </a:rPr>
+              <a:t>    result = </a:t>
+            </a:r>
+            <a:r>
+              <a:rPr lang="en" dirty="0" err="1">
+                <a:solidFill>
+                  <a:schemeClr val="bg1"/>
+                </a:solidFill>
+              </a:rPr>
+              <a:t>Image.fromarray</a:t>
+            </a:r>
+            <a:r>
+              <a:rPr lang="en" dirty="0">
+                <a:solidFill>
+                  <a:schemeClr val="bg1"/>
+                </a:solidFill>
+              </a:rPr>
+              <a:t>(</a:t>
+            </a:r>
+            <a:r>
+              <a:rPr lang="en" dirty="0" err="1">
+                <a:solidFill>
+                  <a:schemeClr val="bg1"/>
+                </a:solidFill>
+              </a:rPr>
+              <a:t>gaussian_noise_img</a:t>
+            </a:r>
+            <a:r>
+              <a:rPr lang="en" dirty="0">
+                <a:solidFill>
+                  <a:schemeClr val="bg1"/>
+                </a:solidFill>
+              </a:rPr>
+              <a:t>)</a:t>
+            </a:r>
+          </a:p>
+          <a:p>
+            <a:r>
+              <a:rPr lang="en" dirty="0">
+                <a:solidFill>
+                  <a:schemeClr val="bg1"/>
+                </a:solidFill>
+              </a:rPr>
+              <a:t>    </a:t>
+            </a:r>
+            <a:r>
+              <a:rPr lang="en" dirty="0">
+                <a:solidFill>
+                  <a:srgbClr val="FFC000"/>
+                </a:solidFill>
+              </a:rPr>
+              <a:t>return</a:t>
+            </a:r>
+            <a:r>
+              <a:rPr lang="en" dirty="0">
+                <a:solidFill>
+                  <a:schemeClr val="bg1"/>
+                </a:solidFill>
+              </a:rPr>
+              <a:t> result</a:t>
+            </a:r>
+            <a:endParaRPr lang="ru-RU" dirty="0">
+              <a:solidFill>
+                <a:schemeClr val="bg1"/>
+              </a:solidFill>
+            </a:endParaRPr>
+          </a:p>
+        </p:txBody>
+      </p:sp>
+    </p:spTree>
+    <p:extLst>
+      <p:ext uri="{BB962C8B-B14F-4D97-AF65-F5344CB8AC3E}">
+        <p14:creationId xmlns:p14="http://schemas.microsoft.com/office/powerpoint/2010/main" val="3915674918"/>
+      </p:ext>
+    </p:extLst>
+  </p:cSld>
+  <p:clrMapOvr>
+    <a:masterClrMapping/>
+  </p:clrMapOvr>
+</p:sld>
+</file>
+
+<file path=ppt/slides/slide12.xml><?xml version="1.0" encoding="utf-8"?>
+<p:sld xmlns:a="http://schemas.openxmlformats.org/drawingml/2006/main" xmlns:r="http://schemas.openxmlformats.org/officeDocument/2006/relationships" xmlns:p="http://schemas.openxmlformats.org/presentationml/2006/main">
+  <p:cSld>
+    <p:bg>
+      <p:bgPr>
+        <a:solidFill>
+          <a:schemeClr val="accent4">
+            <a:lumMod val="20000"/>
+            <a:lumOff val="80000"/>
+            <a:alpha val="30000"/>
+          </a:schemeClr>
+        </a:solidFill>
+        <a:effectLst/>
+      </p:bgPr>
+    </p:bg>
+    <p:spTree>
+      <p:nvGrpSpPr>
+        <p:cNvPr id="1" name=""/>
+        <p:cNvGrpSpPr/>
+        <p:nvPr/>
+      </p:nvGrpSpPr>
+      <p:grpSpPr>
+        <a:xfrm>
+          <a:off x="0" y="0"/>
+          <a:ext cx="0" cy="0"/>
+          <a:chOff x="0" y="0"/>
+          <a:chExt cx="0" cy="0"/>
+        </a:xfrm>
+      </p:grpSpPr>
+      <p:sp>
+        <p:nvSpPr>
+          <p:cNvPr id="2" name="Заголовок 1">
+            <a:extLst>
+              <a:ext uri="{FF2B5EF4-FFF2-40B4-BE49-F238E27FC236}">
+                <a16:creationId xmlns:a16="http://schemas.microsoft.com/office/drawing/2014/main" id="{427CC174-0D2E-D9D8-FED7-5A47DDFB9D1F}"/>
+              </a:ext>
+            </a:extLst>
+          </p:cNvPr>
+          <p:cNvSpPr>
+            <a:spLocks noGrp="1"/>
+          </p:cNvSpPr>
+          <p:nvPr>
+            <p:ph type="title"/>
+          </p:nvPr>
+        </p:nvSpPr>
+        <p:spPr/>
+        <p:txBody>
+          <a:bodyPr/>
+          <a:lstStyle/>
+          <a:p>
+            <a:r>
+              <a:rPr lang="ru-RU" dirty="0">
+                <a:latin typeface="Montserrat" panose="00000500000000000000" pitchFamily="2" charset="-52"/>
+              </a:rPr>
+              <a:t>Код</a:t>
+            </a:r>
+          </a:p>
+        </p:txBody>
+      </p:sp>
+      <p:sp>
+        <p:nvSpPr>
+          <p:cNvPr id="5" name="Прямоугольник 4">
+            <a:extLst>
+              <a:ext uri="{FF2B5EF4-FFF2-40B4-BE49-F238E27FC236}">
+                <a16:creationId xmlns:a16="http://schemas.microsoft.com/office/drawing/2014/main" id="{0403912F-8CD5-EA52-4B22-CBA7ECD5EA8E}"/>
+              </a:ext>
+            </a:extLst>
+          </p:cNvPr>
+          <p:cNvSpPr/>
+          <p:nvPr/>
+        </p:nvSpPr>
+        <p:spPr>
+          <a:xfrm>
+            <a:off x="1" y="772357"/>
+            <a:ext cx="838200" cy="461639"/>
+          </a:xfrm>
+          <a:prstGeom prst="rect">
+            <a:avLst/>
+          </a:prstGeom>
+          <a:solidFill>
+            <a:schemeClr val="accent2">
+              <a:lumMod val="20000"/>
+              <a:lumOff val="80000"/>
+            </a:schemeClr>
+          </a:solidFill>
+          <a:ln>
+            <a:noFill/>
+          </a:ln>
+        </p:spPr>
+        <p:style>
+          <a:lnRef idx="2">
+            <a:schemeClr val="accent1">
+              <a:shade val="50000"/>
+            </a:schemeClr>
+          </a:lnRef>
+          <a:fillRef idx="1">
+            <a:schemeClr val="accent1"/>
+          </a:fillRef>
+          <a:effectRef idx="0">
+            <a:schemeClr val="accent1"/>
+          </a:effectRef>
+          <a:fontRef idx="minor">
+            <a:schemeClr val="lt1"/>
+          </a:fontRef>
+        </p:style>
+        <p:txBody>
+          <a:bodyPr rtlCol="0" anchor="ctr"/>
+          <a:lstStyle/>
+          <a:p>
+            <a:pPr algn="ctr"/>
+            <a:endParaRPr lang="ru-RU"/>
+          </a:p>
+        </p:txBody>
+      </p:sp>
+      <p:sp>
+        <p:nvSpPr>
+          <p:cNvPr id="6" name="Прямоугольник 5">
+            <a:extLst>
+              <a:ext uri="{FF2B5EF4-FFF2-40B4-BE49-F238E27FC236}">
+                <a16:creationId xmlns:a16="http://schemas.microsoft.com/office/drawing/2014/main" id="{F5DCBE3F-D532-C58A-A17E-F18EE4FA97E9}"/>
+              </a:ext>
+            </a:extLst>
+          </p:cNvPr>
+          <p:cNvSpPr/>
+          <p:nvPr/>
+        </p:nvSpPr>
+        <p:spPr>
+          <a:xfrm>
+            <a:off x="2166257" y="797086"/>
+            <a:ext cx="10025741" cy="461639"/>
+          </a:xfrm>
+          <a:prstGeom prst="rect">
+            <a:avLst/>
+          </a:prstGeom>
+          <a:solidFill>
+            <a:schemeClr val="accent2">
+              <a:lumMod val="20000"/>
+              <a:lumOff val="80000"/>
+            </a:schemeClr>
+          </a:solidFill>
+          <a:ln>
+            <a:noFill/>
+          </a:ln>
+        </p:spPr>
+        <p:style>
+          <a:lnRef idx="2">
+            <a:schemeClr val="accent1">
+              <a:shade val="50000"/>
+            </a:schemeClr>
+          </a:lnRef>
+          <a:fillRef idx="1">
+            <a:schemeClr val="accent1"/>
+          </a:fillRef>
+          <a:effectRef idx="0">
+            <a:schemeClr val="accent1"/>
+          </a:effectRef>
+          <a:fontRef idx="minor">
+            <a:schemeClr val="lt1"/>
+          </a:fontRef>
+        </p:style>
+        <p:txBody>
+          <a:bodyPr rtlCol="0" anchor="ctr"/>
+          <a:lstStyle/>
+          <a:p>
+            <a:pPr algn="ctr"/>
+            <a:endParaRPr lang="ru-RU"/>
+          </a:p>
+        </p:txBody>
+      </p:sp>
+      <p:sp>
+        <p:nvSpPr>
+          <p:cNvPr id="7" name="Объект 6">
+            <a:extLst>
+              <a:ext uri="{FF2B5EF4-FFF2-40B4-BE49-F238E27FC236}">
+                <a16:creationId xmlns:a16="http://schemas.microsoft.com/office/drawing/2014/main" id="{91E89D5E-1B9F-45A4-C725-FD500D19CD60}"/>
+              </a:ext>
+            </a:extLst>
+          </p:cNvPr>
+          <p:cNvSpPr>
+            <a:spLocks noGrp="1"/>
+          </p:cNvSpPr>
+          <p:nvPr>
+            <p:ph idx="1"/>
+          </p:nvPr>
+        </p:nvSpPr>
+        <p:spPr>
+          <a:xfrm>
+            <a:off x="6531428" y="1709576"/>
+            <a:ext cx="5208973" cy="4351338"/>
+          </a:xfrm>
+        </p:spPr>
+        <p:txBody>
+          <a:bodyPr>
+            <a:normAutofit/>
+          </a:bodyPr>
+          <a:lstStyle/>
+          <a:p>
+            <a:pPr marL="0" indent="0">
+              <a:buNone/>
+            </a:pPr>
+            <a:r>
+              <a:rPr lang="ru-RU" sz="3600" dirty="0">
+                <a:latin typeface="Montserrat Light" panose="00000400000000000000" pitchFamily="2" charset="-52"/>
+              </a:rPr>
+              <a:t>Последний алгоритм «</a:t>
+            </a:r>
+            <a:r>
+              <a:rPr lang="ru-RU" sz="3600" b="1" dirty="0">
+                <a:latin typeface="Montserrat Light" panose="00000400000000000000" pitchFamily="2" charset="-52"/>
+              </a:rPr>
+              <a:t>Соль и перец» </a:t>
+            </a:r>
+            <a:r>
+              <a:rPr lang="ru-RU" sz="3600" dirty="0">
+                <a:latin typeface="Montserrat Light" panose="00000400000000000000" pitchFamily="2" charset="-52"/>
+              </a:rPr>
+              <a:t>(</a:t>
+            </a:r>
+            <a:r>
+              <a:rPr lang="en-US" sz="3600" dirty="0">
+                <a:latin typeface="Montserrat Light" panose="00000400000000000000" pitchFamily="2" charset="-52"/>
+              </a:rPr>
+              <a:t>Salt &amp; Pepper</a:t>
+            </a:r>
+            <a:r>
+              <a:rPr lang="ru-RU" sz="3600" dirty="0">
+                <a:latin typeface="Montserrat Light" panose="00000400000000000000" pitchFamily="2" charset="-52"/>
+              </a:rPr>
+              <a:t>) реализуется таким образом</a:t>
+            </a:r>
+          </a:p>
+        </p:txBody>
+      </p:sp>
+      <p:sp>
+        <p:nvSpPr>
+          <p:cNvPr id="3" name="Прямоугольник 2">
+            <a:extLst>
+              <a:ext uri="{FF2B5EF4-FFF2-40B4-BE49-F238E27FC236}">
+                <a16:creationId xmlns:a16="http://schemas.microsoft.com/office/drawing/2014/main" id="{BE04F6F8-B7BF-41B7-4787-E1C09C148AA5}"/>
+              </a:ext>
+            </a:extLst>
+          </p:cNvPr>
+          <p:cNvSpPr/>
+          <p:nvPr/>
+        </p:nvSpPr>
+        <p:spPr>
+          <a:xfrm>
+            <a:off x="261257" y="1589314"/>
+            <a:ext cx="5834743" cy="4996543"/>
+          </a:xfrm>
+          <a:prstGeom prst="rect">
+            <a:avLst/>
+          </a:prstGeom>
+          <a:solidFill>
+            <a:schemeClr val="tx1">
+              <a:lumMod val="85000"/>
+              <a:lumOff val="15000"/>
+            </a:schemeClr>
+          </a:solidFill>
+          <a:ln>
+            <a:noFill/>
+          </a:ln>
+        </p:spPr>
+        <p:style>
+          <a:lnRef idx="2">
+            <a:schemeClr val="accent1">
+              <a:shade val="15000"/>
+            </a:schemeClr>
+          </a:lnRef>
+          <a:fillRef idx="1">
+            <a:schemeClr val="accent1"/>
+          </a:fillRef>
+          <a:effectRef idx="0">
+            <a:schemeClr val="accent1"/>
+          </a:effectRef>
+          <a:fontRef idx="minor">
+            <a:schemeClr val="lt1"/>
+          </a:fontRef>
+        </p:style>
+        <p:txBody>
+          <a:bodyPr rtlCol="0" anchor="ctr"/>
+          <a:lstStyle/>
+          <a:p>
+            <a:r>
+              <a:rPr lang="en" dirty="0">
+                <a:solidFill>
+                  <a:srgbClr val="FFC000"/>
+                </a:solidFill>
+              </a:rPr>
+              <a:t>def</a:t>
+            </a:r>
+            <a:r>
+              <a:rPr lang="en" dirty="0"/>
+              <a:t> </a:t>
+            </a:r>
+            <a:r>
+              <a:rPr lang="en" dirty="0">
+                <a:solidFill>
+                  <a:schemeClr val="accent2">
+                    <a:lumMod val="75000"/>
+                  </a:schemeClr>
+                </a:solidFill>
+              </a:rPr>
+              <a:t>algorithm3</a:t>
+            </a:r>
+            <a:r>
+              <a:rPr lang="en" dirty="0"/>
+              <a:t>(image, pos1, pos2):</a:t>
+            </a:r>
+          </a:p>
+          <a:p>
+            <a:r>
+              <a:rPr lang="en" dirty="0"/>
+              <a:t>    </a:t>
+            </a:r>
+            <a:r>
+              <a:rPr lang="en" dirty="0" err="1"/>
+              <a:t>array_image</a:t>
+            </a:r>
+            <a:r>
+              <a:rPr lang="en" dirty="0"/>
+              <a:t> = </a:t>
+            </a:r>
+            <a:r>
+              <a:rPr lang="en" dirty="0" err="1"/>
+              <a:t>np.array</a:t>
+            </a:r>
+            <a:r>
+              <a:rPr lang="en" dirty="0"/>
+              <a:t>(image, </a:t>
+            </a:r>
+            <a:r>
+              <a:rPr lang="en" dirty="0" err="1"/>
+              <a:t>dtype</a:t>
+            </a:r>
+            <a:r>
+              <a:rPr lang="en" dirty="0"/>
+              <a:t>=np.uint8)</a:t>
+            </a:r>
+          </a:p>
+          <a:p>
+            <a:endParaRPr lang="en" dirty="0"/>
+          </a:p>
+          <a:p>
+            <a:r>
+              <a:rPr lang="en" dirty="0"/>
+              <a:t>    s = pos2</a:t>
+            </a:r>
+          </a:p>
+          <a:p>
+            <a:r>
+              <a:rPr lang="en" dirty="0"/>
+              <a:t>    for i in </a:t>
+            </a:r>
+            <a:r>
+              <a:rPr lang="en" dirty="0">
+                <a:solidFill>
+                  <a:srgbClr val="D883FF"/>
+                </a:solidFill>
+              </a:rPr>
+              <a:t>range</a:t>
+            </a:r>
+            <a:r>
+              <a:rPr lang="en" dirty="0"/>
+              <a:t>(</a:t>
+            </a:r>
+            <a:r>
+              <a:rPr lang="en" dirty="0" err="1"/>
+              <a:t>array_image.shape</a:t>
+            </a:r>
+            <a:r>
+              <a:rPr lang="en" dirty="0"/>
+              <a:t>[</a:t>
+            </a:r>
+            <a:r>
+              <a:rPr lang="en" dirty="0">
+                <a:solidFill>
+                  <a:schemeClr val="accent1">
+                    <a:lumMod val="40000"/>
+                    <a:lumOff val="60000"/>
+                  </a:schemeClr>
+                </a:solidFill>
+              </a:rPr>
+              <a:t>0</a:t>
+            </a:r>
+            <a:r>
+              <a:rPr lang="en" dirty="0"/>
+              <a:t>]):</a:t>
+            </a:r>
+          </a:p>
+          <a:p>
+            <a:r>
+              <a:rPr lang="en" dirty="0"/>
+              <a:t>        for j in </a:t>
+            </a:r>
+            <a:r>
+              <a:rPr lang="en" dirty="0">
+                <a:solidFill>
+                  <a:srgbClr val="D883FF"/>
+                </a:solidFill>
+              </a:rPr>
+              <a:t>range</a:t>
+            </a:r>
+            <a:r>
+              <a:rPr lang="en" dirty="0"/>
+              <a:t>(</a:t>
+            </a:r>
+            <a:r>
+              <a:rPr lang="en" dirty="0" err="1"/>
+              <a:t>array_image.shape</a:t>
+            </a:r>
+            <a:r>
+              <a:rPr lang="en" dirty="0"/>
+              <a:t>[</a:t>
+            </a:r>
+            <a:r>
+              <a:rPr lang="en" dirty="0">
+                <a:solidFill>
+                  <a:schemeClr val="accent1">
+                    <a:lumMod val="40000"/>
+                    <a:lumOff val="60000"/>
+                  </a:schemeClr>
+                </a:solidFill>
+              </a:rPr>
+              <a:t>1</a:t>
+            </a:r>
+            <a:r>
+              <a:rPr lang="en" dirty="0"/>
+              <a:t>]):</a:t>
+            </a:r>
+          </a:p>
+          <a:p>
+            <a:r>
+              <a:rPr lang="en" dirty="0"/>
+              <a:t>            </a:t>
+            </a:r>
+            <a:r>
+              <a:rPr lang="en" dirty="0" err="1"/>
+              <a:t>rdn</a:t>
+            </a:r>
+            <a:r>
+              <a:rPr lang="en" dirty="0"/>
+              <a:t> = </a:t>
+            </a:r>
+            <a:r>
+              <a:rPr lang="en" dirty="0" err="1"/>
+              <a:t>random.random</a:t>
+            </a:r>
+            <a:r>
+              <a:rPr lang="en" dirty="0"/>
+              <a:t>()</a:t>
+            </a:r>
+          </a:p>
+          <a:p>
+            <a:r>
+              <a:rPr lang="en" dirty="0"/>
+              <a:t>            </a:t>
+            </a:r>
+            <a:r>
+              <a:rPr lang="en" dirty="0">
+                <a:solidFill>
+                  <a:srgbClr val="FFC000"/>
+                </a:solidFill>
+              </a:rPr>
+              <a:t>if</a:t>
+            </a:r>
+            <a:r>
+              <a:rPr lang="en" dirty="0"/>
+              <a:t> </a:t>
+            </a:r>
+            <a:r>
+              <a:rPr lang="en" dirty="0" err="1"/>
+              <a:t>rdn</a:t>
+            </a:r>
+            <a:r>
+              <a:rPr lang="en" dirty="0"/>
+              <a:t> &lt; s:</a:t>
+            </a:r>
+          </a:p>
+          <a:p>
+            <a:r>
+              <a:rPr lang="en" dirty="0"/>
+              <a:t>                </a:t>
+            </a:r>
+            <a:r>
+              <a:rPr lang="en" dirty="0" err="1"/>
+              <a:t>array_image</a:t>
+            </a:r>
+            <a:r>
+              <a:rPr lang="en" dirty="0"/>
+              <a:t>[i][j] = </a:t>
+            </a:r>
+            <a:r>
+              <a:rPr lang="en" dirty="0">
+                <a:solidFill>
+                  <a:schemeClr val="accent1">
+                    <a:lumMod val="40000"/>
+                    <a:lumOff val="60000"/>
+                  </a:schemeClr>
+                </a:solidFill>
+              </a:rPr>
+              <a:t>0</a:t>
+            </a:r>
+          </a:p>
+          <a:p>
+            <a:r>
+              <a:rPr lang="en" dirty="0"/>
+              <a:t>            </a:t>
+            </a:r>
+            <a:r>
+              <a:rPr lang="en" dirty="0" err="1">
+                <a:solidFill>
+                  <a:srgbClr val="FFC000"/>
+                </a:solidFill>
+              </a:rPr>
+              <a:t>elif</a:t>
+            </a:r>
+            <a:r>
+              <a:rPr lang="en" dirty="0"/>
+              <a:t> </a:t>
+            </a:r>
+            <a:r>
+              <a:rPr lang="en" dirty="0" err="1"/>
+              <a:t>rdn</a:t>
+            </a:r>
+            <a:r>
+              <a:rPr lang="en" dirty="0"/>
+              <a:t> &gt; </a:t>
+            </a:r>
+            <a:r>
+              <a:rPr lang="en" dirty="0">
+                <a:solidFill>
+                  <a:schemeClr val="accent1">
+                    <a:lumMod val="40000"/>
+                    <a:lumOff val="60000"/>
+                  </a:schemeClr>
+                </a:solidFill>
+              </a:rPr>
+              <a:t>1</a:t>
+            </a:r>
+            <a:r>
+              <a:rPr lang="en" dirty="0"/>
+              <a:t> - s:</a:t>
+            </a:r>
+          </a:p>
+          <a:p>
+            <a:r>
+              <a:rPr lang="en" dirty="0"/>
+              <a:t>                array_image[i][j] = </a:t>
+            </a:r>
+            <a:r>
+              <a:rPr lang="en" dirty="0">
+                <a:solidFill>
+                  <a:schemeClr val="accent1">
+                    <a:lumMod val="40000"/>
+                    <a:lumOff val="60000"/>
+                  </a:schemeClr>
+                </a:solidFill>
+              </a:rPr>
+              <a:t>255</a:t>
+            </a:r>
+          </a:p>
+          <a:p>
+            <a:r>
+              <a:rPr lang="en" dirty="0"/>
+              <a:t>    </a:t>
+            </a:r>
+            <a:r>
+              <a:rPr lang="en-US" dirty="0"/>
+              <a:t>r</a:t>
+            </a:r>
+            <a:r>
+              <a:rPr lang="en" dirty="0"/>
+              <a:t>esult = Image.fromarray(array_image)</a:t>
+            </a:r>
+          </a:p>
+          <a:p>
+            <a:r>
+              <a:rPr lang="en" dirty="0">
+                <a:solidFill>
+                  <a:srgbClr val="FFC000"/>
+                </a:solidFill>
+              </a:rPr>
+              <a:t>    </a:t>
+            </a:r>
+            <a:r>
+              <a:rPr lang="en-US" dirty="0">
+                <a:solidFill>
+                  <a:srgbClr val="FFC000"/>
+                </a:solidFill>
+              </a:rPr>
+              <a:t>r</a:t>
+            </a:r>
+            <a:r>
+              <a:rPr lang="en" dirty="0">
+                <a:solidFill>
+                  <a:srgbClr val="FFC000"/>
+                </a:solidFill>
+              </a:rPr>
+              <a:t>eturn</a:t>
+            </a:r>
+            <a:r>
+              <a:rPr lang="en" dirty="0"/>
+              <a:t> result</a:t>
+            </a:r>
+          </a:p>
+        </p:txBody>
+      </p:sp>
+    </p:spTree>
+    <p:extLst>
+      <p:ext uri="{BB962C8B-B14F-4D97-AF65-F5344CB8AC3E}">
+        <p14:creationId xmlns:p14="http://schemas.microsoft.com/office/powerpoint/2010/main" val="2933377569"/>
+      </p:ext>
+    </p:extLst>
+  </p:cSld>
+  <p:clrMapOvr>
+    <a:masterClrMapping/>
+  </p:clrMapOvr>
+</p:sld>
+</file>
+
+<file path=ppt/slides/slide13.xml><?xml version="1.0" encoding="utf-8"?>
+<p:sld xmlns:a="http://schemas.openxmlformats.org/drawingml/2006/main" xmlns:r="http://schemas.openxmlformats.org/officeDocument/2006/relationships" xmlns:p="http://schemas.openxmlformats.org/presentationml/2006/main">
+  <p:cSld>
+    <p:bg>
+      <p:bgPr>
+        <a:solidFill>
+          <a:schemeClr val="accent4">
+            <a:lumMod val="20000"/>
+            <a:lumOff val="80000"/>
+            <a:alpha val="30000"/>
+          </a:schemeClr>
+        </a:solidFill>
+        <a:effectLst/>
+      </p:bgPr>
+    </p:bg>
+    <p:spTree>
+      <p:nvGrpSpPr>
+        <p:cNvPr id="1" name=""/>
+        <p:cNvGrpSpPr/>
+        <p:nvPr/>
+      </p:nvGrpSpPr>
+      <p:grpSpPr>
+        <a:xfrm>
+          <a:off x="0" y="0"/>
+          <a:ext cx="0" cy="0"/>
+          <a:chOff x="0" y="0"/>
+          <a:chExt cx="0" cy="0"/>
+        </a:xfrm>
+      </p:grpSpPr>
+      <p:sp>
+        <p:nvSpPr>
+          <p:cNvPr id="2" name="Заголовок 1">
+            <a:extLst>
+              <a:ext uri="{FF2B5EF4-FFF2-40B4-BE49-F238E27FC236}">
+                <a16:creationId xmlns:a16="http://schemas.microsoft.com/office/drawing/2014/main" id="{427CC174-0D2E-D9D8-FED7-5A47DDFB9D1F}"/>
+              </a:ext>
+            </a:extLst>
+          </p:cNvPr>
+          <p:cNvSpPr>
+            <a:spLocks noGrp="1"/>
+          </p:cNvSpPr>
+          <p:nvPr>
+            <p:ph type="title"/>
+          </p:nvPr>
+        </p:nvSpPr>
+        <p:spPr/>
+        <p:txBody>
+          <a:bodyPr/>
+          <a:lstStyle/>
+          <a:p>
+            <a:r>
+              <a:rPr lang="ru-RU" dirty="0">
+                <a:latin typeface="Montserrat" panose="00000500000000000000" pitchFamily="2" charset="-52"/>
+              </a:rPr>
+              <a:t>Результат работы программы</a:t>
+            </a:r>
+          </a:p>
+        </p:txBody>
+      </p:sp>
+      <p:sp>
+        <p:nvSpPr>
+          <p:cNvPr id="5" name="Прямоугольник 4">
+            <a:extLst>
+              <a:ext uri="{FF2B5EF4-FFF2-40B4-BE49-F238E27FC236}">
+                <a16:creationId xmlns:a16="http://schemas.microsoft.com/office/drawing/2014/main" id="{0403912F-8CD5-EA52-4B22-CBA7ECD5EA8E}"/>
+              </a:ext>
+            </a:extLst>
+          </p:cNvPr>
+          <p:cNvSpPr/>
+          <p:nvPr/>
+        </p:nvSpPr>
+        <p:spPr>
+          <a:xfrm>
+            <a:off x="1" y="772357"/>
+            <a:ext cx="838200" cy="461639"/>
+          </a:xfrm>
+          <a:prstGeom prst="rect">
+            <a:avLst/>
+          </a:prstGeom>
+          <a:solidFill>
+            <a:schemeClr val="accent2">
+              <a:lumMod val="20000"/>
+              <a:lumOff val="80000"/>
+            </a:schemeClr>
+          </a:solidFill>
+          <a:ln>
+            <a:noFill/>
+          </a:ln>
+        </p:spPr>
+        <p:style>
+          <a:lnRef idx="2">
+            <a:schemeClr val="accent1">
+              <a:shade val="50000"/>
+            </a:schemeClr>
+          </a:lnRef>
+          <a:fillRef idx="1">
+            <a:schemeClr val="accent1"/>
+          </a:fillRef>
+          <a:effectRef idx="0">
+            <a:schemeClr val="accent1"/>
+          </a:effectRef>
+          <a:fontRef idx="minor">
+            <a:schemeClr val="lt1"/>
+          </a:fontRef>
+        </p:style>
+        <p:txBody>
+          <a:bodyPr rtlCol="0" anchor="ctr"/>
+          <a:lstStyle/>
+          <a:p>
+            <a:pPr algn="ctr"/>
+            <a:endParaRPr lang="ru-RU"/>
+          </a:p>
+        </p:txBody>
+      </p:sp>
+      <p:sp>
+        <p:nvSpPr>
+          <p:cNvPr id="6" name="Прямоугольник 5">
+            <a:extLst>
+              <a:ext uri="{FF2B5EF4-FFF2-40B4-BE49-F238E27FC236}">
+                <a16:creationId xmlns:a16="http://schemas.microsoft.com/office/drawing/2014/main" id="{F5DCBE3F-D532-C58A-A17E-F18EE4FA97E9}"/>
+              </a:ext>
+            </a:extLst>
+          </p:cNvPr>
+          <p:cNvSpPr/>
+          <p:nvPr/>
+        </p:nvSpPr>
+        <p:spPr>
+          <a:xfrm>
+            <a:off x="9712171" y="797086"/>
+            <a:ext cx="2479827" cy="461639"/>
+          </a:xfrm>
+          <a:prstGeom prst="rect">
+            <a:avLst/>
+          </a:prstGeom>
+          <a:solidFill>
+            <a:schemeClr val="accent2">
+              <a:lumMod val="20000"/>
+              <a:lumOff val="80000"/>
+            </a:schemeClr>
+          </a:solidFill>
+          <a:ln>
+            <a:noFill/>
+          </a:ln>
+        </p:spPr>
+        <p:style>
+          <a:lnRef idx="2">
+            <a:schemeClr val="accent1">
+              <a:shade val="50000"/>
+            </a:schemeClr>
+          </a:lnRef>
+          <a:fillRef idx="1">
+            <a:schemeClr val="accent1"/>
+          </a:fillRef>
+          <a:effectRef idx="0">
+            <a:schemeClr val="accent1"/>
+          </a:effectRef>
+          <a:fontRef idx="minor">
+            <a:schemeClr val="lt1"/>
+          </a:fontRef>
+        </p:style>
+        <p:txBody>
+          <a:bodyPr rtlCol="0" anchor="ctr"/>
+          <a:lstStyle/>
+          <a:p>
+            <a:pPr algn="ctr"/>
+            <a:endParaRPr lang="ru-RU"/>
+          </a:p>
+        </p:txBody>
+      </p:sp>
+      <p:pic>
+        <p:nvPicPr>
+          <p:cNvPr id="4" name="Рисунок 3">
+            <a:extLst>
+              <a:ext uri="{FF2B5EF4-FFF2-40B4-BE49-F238E27FC236}">
+                <a16:creationId xmlns:a16="http://schemas.microsoft.com/office/drawing/2014/main" id="{AB032B93-EAC1-8A26-B1E5-184727928D40}"/>
+              </a:ext>
+            </a:extLst>
+          </p:cNvPr>
+          <p:cNvPicPr>
+            <a:picLocks noChangeAspect="1"/>
+          </p:cNvPicPr>
+          <p:nvPr/>
+        </p:nvPicPr>
+        <p:blipFill>
+          <a:blip r:embed="rId2"/>
+          <a:stretch>
+            <a:fillRect/>
+          </a:stretch>
+        </p:blipFill>
+        <p:spPr>
+          <a:xfrm>
+            <a:off x="0" y="1458000"/>
+            <a:ext cx="9112909" cy="5400000"/>
+          </a:xfrm>
+          <a:prstGeom prst="rect">
+            <a:avLst/>
+          </a:prstGeom>
+        </p:spPr>
+      </p:pic>
+      <p:sp>
+        <p:nvSpPr>
+          <p:cNvPr id="7" name="TextBox 6">
+            <a:extLst>
+              <a:ext uri="{FF2B5EF4-FFF2-40B4-BE49-F238E27FC236}">
+                <a16:creationId xmlns:a16="http://schemas.microsoft.com/office/drawing/2014/main" id="{60BDBD2D-9CBE-AC6E-FFE4-A26AFB9E63C4}"/>
+              </a:ext>
+            </a:extLst>
+          </p:cNvPr>
+          <p:cNvSpPr txBox="1"/>
+          <p:nvPr/>
+        </p:nvSpPr>
+        <p:spPr>
+          <a:xfrm>
+            <a:off x="9112909" y="1583504"/>
+            <a:ext cx="2969439" cy="646331"/>
+          </a:xfrm>
+          <a:prstGeom prst="rect">
+            <a:avLst/>
+          </a:prstGeom>
+          <a:noFill/>
+        </p:spPr>
+        <p:txBody>
+          <a:bodyPr wrap="square" rtlCol="0">
+            <a:spAutoFit/>
+          </a:bodyPr>
+          <a:lstStyle/>
+          <a:p>
+            <a:r>
+              <a:rPr lang="ru-RU" dirty="0">
+                <a:latin typeface="Montserrat" panose="00000500000000000000" pitchFamily="2" charset="-52"/>
+              </a:rPr>
+              <a:t>Только </a:t>
+            </a:r>
+            <a:r>
+              <a:rPr lang="ru-RU" b="1" dirty="0">
+                <a:latin typeface="Montserrat" panose="00000500000000000000" pitchFamily="2" charset="-52"/>
+              </a:rPr>
+              <a:t>Нормальное Распределение</a:t>
+            </a:r>
+          </a:p>
+        </p:txBody>
+      </p:sp>
+    </p:spTree>
+    <p:extLst>
+      <p:ext uri="{BB962C8B-B14F-4D97-AF65-F5344CB8AC3E}">
+        <p14:creationId xmlns:p14="http://schemas.microsoft.com/office/powerpoint/2010/main" val="2844742973"/>
+      </p:ext>
+    </p:extLst>
+  </p:cSld>
+  <p:clrMapOvr>
+    <a:masterClrMapping/>
+  </p:clrMapOvr>
+</p:sld>
+</file>
+
+<file path=ppt/slides/slide14.xml><?xml version="1.0" encoding="utf-8"?>
+<p:sld xmlns:a="http://schemas.openxmlformats.org/drawingml/2006/main" xmlns:r="http://schemas.openxmlformats.org/officeDocument/2006/relationships" xmlns:p="http://schemas.openxmlformats.org/presentationml/2006/main">
+  <p:cSld>
+    <p:bg>
+      <p:bgPr>
+        <a:solidFill>
+          <a:schemeClr val="accent4">
+            <a:lumMod val="20000"/>
+            <a:lumOff val="80000"/>
+            <a:alpha val="30000"/>
+          </a:schemeClr>
+        </a:solidFill>
+        <a:effectLst/>
+      </p:bgPr>
+    </p:bg>
+    <p:spTree>
+      <p:nvGrpSpPr>
+        <p:cNvPr id="1" name=""/>
+        <p:cNvGrpSpPr/>
+        <p:nvPr/>
+      </p:nvGrpSpPr>
+      <p:grpSpPr>
+        <a:xfrm>
+          <a:off x="0" y="0"/>
+          <a:ext cx="0" cy="0"/>
+          <a:chOff x="0" y="0"/>
+          <a:chExt cx="0" cy="0"/>
+        </a:xfrm>
+      </p:grpSpPr>
+      <p:sp>
+        <p:nvSpPr>
+          <p:cNvPr id="2" name="Заголовок 1">
+            <a:extLst>
+              <a:ext uri="{FF2B5EF4-FFF2-40B4-BE49-F238E27FC236}">
+                <a16:creationId xmlns:a16="http://schemas.microsoft.com/office/drawing/2014/main" id="{427CC174-0D2E-D9D8-FED7-5A47DDFB9D1F}"/>
+              </a:ext>
+            </a:extLst>
+          </p:cNvPr>
+          <p:cNvSpPr>
+            <a:spLocks noGrp="1"/>
+          </p:cNvSpPr>
+          <p:nvPr>
+            <p:ph type="title"/>
+          </p:nvPr>
+        </p:nvSpPr>
+        <p:spPr/>
+        <p:txBody>
+          <a:bodyPr/>
+          <a:lstStyle/>
+          <a:p>
+            <a:r>
+              <a:rPr lang="ru-RU" dirty="0">
+                <a:latin typeface="Montserrat" panose="00000500000000000000" pitchFamily="2" charset="-52"/>
+              </a:rPr>
+              <a:t>Результат работы программы</a:t>
+            </a:r>
+          </a:p>
+        </p:txBody>
+      </p:sp>
+      <p:sp>
+        <p:nvSpPr>
+          <p:cNvPr id="5" name="Прямоугольник 4">
+            <a:extLst>
+              <a:ext uri="{FF2B5EF4-FFF2-40B4-BE49-F238E27FC236}">
+                <a16:creationId xmlns:a16="http://schemas.microsoft.com/office/drawing/2014/main" id="{0403912F-8CD5-EA52-4B22-CBA7ECD5EA8E}"/>
+              </a:ext>
+            </a:extLst>
+          </p:cNvPr>
+          <p:cNvSpPr/>
+          <p:nvPr/>
+        </p:nvSpPr>
+        <p:spPr>
+          <a:xfrm>
+            <a:off x="1" y="772357"/>
+            <a:ext cx="838200" cy="461639"/>
+          </a:xfrm>
+          <a:prstGeom prst="rect">
+            <a:avLst/>
+          </a:prstGeom>
+          <a:solidFill>
+            <a:schemeClr val="accent2">
+              <a:lumMod val="20000"/>
+              <a:lumOff val="80000"/>
+            </a:schemeClr>
+          </a:solidFill>
+          <a:ln>
+            <a:noFill/>
+          </a:ln>
+        </p:spPr>
+        <p:style>
+          <a:lnRef idx="2">
+            <a:schemeClr val="accent1">
+              <a:shade val="50000"/>
+            </a:schemeClr>
+          </a:lnRef>
+          <a:fillRef idx="1">
+            <a:schemeClr val="accent1"/>
+          </a:fillRef>
+          <a:effectRef idx="0">
+            <a:schemeClr val="accent1"/>
+          </a:effectRef>
+          <a:fontRef idx="minor">
+            <a:schemeClr val="lt1"/>
+          </a:fontRef>
+        </p:style>
+        <p:txBody>
+          <a:bodyPr rtlCol="0" anchor="ctr"/>
+          <a:lstStyle/>
+          <a:p>
+            <a:pPr algn="ctr"/>
+            <a:endParaRPr lang="ru-RU"/>
+          </a:p>
+        </p:txBody>
+      </p:sp>
+      <p:sp>
+        <p:nvSpPr>
+          <p:cNvPr id="6" name="Прямоугольник 5">
+            <a:extLst>
+              <a:ext uri="{FF2B5EF4-FFF2-40B4-BE49-F238E27FC236}">
+                <a16:creationId xmlns:a16="http://schemas.microsoft.com/office/drawing/2014/main" id="{F5DCBE3F-D532-C58A-A17E-F18EE4FA97E9}"/>
+              </a:ext>
+            </a:extLst>
+          </p:cNvPr>
+          <p:cNvSpPr/>
+          <p:nvPr/>
+        </p:nvSpPr>
+        <p:spPr>
+          <a:xfrm>
+            <a:off x="9712171" y="797086"/>
+            <a:ext cx="2479827" cy="461639"/>
+          </a:xfrm>
+          <a:prstGeom prst="rect">
+            <a:avLst/>
+          </a:prstGeom>
+          <a:solidFill>
+            <a:schemeClr val="accent2">
+              <a:lumMod val="20000"/>
+              <a:lumOff val="80000"/>
+            </a:schemeClr>
+          </a:solidFill>
+          <a:ln>
+            <a:noFill/>
+          </a:ln>
+        </p:spPr>
+        <p:style>
+          <a:lnRef idx="2">
+            <a:schemeClr val="accent1">
+              <a:shade val="50000"/>
+            </a:schemeClr>
+          </a:lnRef>
+          <a:fillRef idx="1">
+            <a:schemeClr val="accent1"/>
+          </a:fillRef>
+          <a:effectRef idx="0">
+            <a:schemeClr val="accent1"/>
+          </a:effectRef>
+          <a:fontRef idx="minor">
+            <a:schemeClr val="lt1"/>
+          </a:fontRef>
+        </p:style>
+        <p:txBody>
+          <a:bodyPr rtlCol="0" anchor="ctr"/>
+          <a:lstStyle/>
+          <a:p>
+            <a:pPr algn="ctr"/>
+            <a:endParaRPr lang="ru-RU"/>
+          </a:p>
+        </p:txBody>
+      </p:sp>
+      <p:pic>
+        <p:nvPicPr>
+          <p:cNvPr id="4" name="Рисунок 3">
+            <a:extLst>
+              <a:ext uri="{FF2B5EF4-FFF2-40B4-BE49-F238E27FC236}">
+                <a16:creationId xmlns:a16="http://schemas.microsoft.com/office/drawing/2014/main" id="{E3B78C86-AFE7-A933-0526-F7BD369E9609}"/>
+              </a:ext>
+            </a:extLst>
+          </p:cNvPr>
+          <p:cNvPicPr>
+            <a:picLocks noChangeAspect="1"/>
+          </p:cNvPicPr>
+          <p:nvPr/>
+        </p:nvPicPr>
+        <p:blipFill>
+          <a:blip r:embed="rId2"/>
+          <a:stretch>
+            <a:fillRect/>
+          </a:stretch>
+        </p:blipFill>
+        <p:spPr>
+          <a:xfrm>
+            <a:off x="0" y="1458000"/>
+            <a:ext cx="9108434" cy="5400000"/>
+          </a:xfrm>
+          <a:prstGeom prst="rect">
+            <a:avLst/>
+          </a:prstGeom>
+        </p:spPr>
+      </p:pic>
+      <p:sp>
+        <p:nvSpPr>
+          <p:cNvPr id="7" name="TextBox 6">
+            <a:extLst>
+              <a:ext uri="{FF2B5EF4-FFF2-40B4-BE49-F238E27FC236}">
+                <a16:creationId xmlns:a16="http://schemas.microsoft.com/office/drawing/2014/main" id="{8D939066-064A-2AD0-371A-25A3ACDB4776}"/>
+              </a:ext>
+            </a:extLst>
+          </p:cNvPr>
+          <p:cNvSpPr txBox="1"/>
+          <p:nvPr/>
+        </p:nvSpPr>
+        <p:spPr>
+          <a:xfrm>
+            <a:off x="9112909" y="1583504"/>
+            <a:ext cx="2969439" cy="369332"/>
+          </a:xfrm>
+          <a:prstGeom prst="rect">
+            <a:avLst/>
+          </a:prstGeom>
+          <a:noFill/>
+        </p:spPr>
+        <p:txBody>
+          <a:bodyPr wrap="square" rtlCol="0">
+            <a:spAutoFit/>
+          </a:bodyPr>
+          <a:lstStyle/>
+          <a:p>
+            <a:r>
+              <a:rPr lang="ru-RU" dirty="0">
+                <a:latin typeface="Montserrat" panose="00000500000000000000" pitchFamily="2" charset="-52"/>
+              </a:rPr>
+              <a:t>Только </a:t>
+            </a:r>
+            <a:r>
+              <a:rPr lang="ru-RU" b="1" dirty="0">
+                <a:latin typeface="Montserrat" panose="00000500000000000000" pitchFamily="2" charset="-52"/>
+              </a:rPr>
+              <a:t>Шум Гаусса</a:t>
+            </a:r>
+          </a:p>
+        </p:txBody>
+      </p:sp>
+    </p:spTree>
+    <p:extLst>
+      <p:ext uri="{BB962C8B-B14F-4D97-AF65-F5344CB8AC3E}">
+        <p14:creationId xmlns:p14="http://schemas.microsoft.com/office/powerpoint/2010/main" val="797219968"/>
+      </p:ext>
+    </p:extLst>
+  </p:cSld>
+  <p:clrMapOvr>
+    <a:masterClrMapping/>
+  </p:clrMapOvr>
+</p:sld>
+</file>
+
+<file path=ppt/slides/slide15.xml><?xml version="1.0" encoding="utf-8"?>
+<p:sld xmlns:a="http://schemas.openxmlformats.org/drawingml/2006/main" xmlns:r="http://schemas.openxmlformats.org/officeDocument/2006/relationships" xmlns:p="http://schemas.openxmlformats.org/presentationml/2006/main">
+  <p:cSld>
+    <p:bg>
+      <p:bgPr>
+        <a:solidFill>
+          <a:schemeClr val="accent4">
+            <a:lumMod val="20000"/>
+            <a:lumOff val="80000"/>
+            <a:alpha val="30000"/>
+          </a:schemeClr>
+        </a:solidFill>
+        <a:effectLst/>
+      </p:bgPr>
+    </p:bg>
+    <p:spTree>
+      <p:nvGrpSpPr>
+        <p:cNvPr id="1" name=""/>
+        <p:cNvGrpSpPr/>
+        <p:nvPr/>
+      </p:nvGrpSpPr>
+      <p:grpSpPr>
+        <a:xfrm>
+          <a:off x="0" y="0"/>
+          <a:ext cx="0" cy="0"/>
+          <a:chOff x="0" y="0"/>
+          <a:chExt cx="0" cy="0"/>
+        </a:xfrm>
+      </p:grpSpPr>
+      <p:sp>
+        <p:nvSpPr>
+          <p:cNvPr id="2" name="Заголовок 1">
+            <a:extLst>
+              <a:ext uri="{FF2B5EF4-FFF2-40B4-BE49-F238E27FC236}">
+                <a16:creationId xmlns:a16="http://schemas.microsoft.com/office/drawing/2014/main" id="{427CC174-0D2E-D9D8-FED7-5A47DDFB9D1F}"/>
+              </a:ext>
+            </a:extLst>
+          </p:cNvPr>
+          <p:cNvSpPr>
+            <a:spLocks noGrp="1"/>
+          </p:cNvSpPr>
+          <p:nvPr>
+            <p:ph type="title"/>
+          </p:nvPr>
+        </p:nvSpPr>
+        <p:spPr/>
+        <p:txBody>
+          <a:bodyPr/>
+          <a:lstStyle/>
+          <a:p>
+            <a:r>
+              <a:rPr lang="ru-RU" dirty="0">
+                <a:latin typeface="Montserrat" panose="00000500000000000000" pitchFamily="2" charset="-52"/>
+              </a:rPr>
+              <a:t>Результат работы программы</a:t>
+            </a:r>
+          </a:p>
+        </p:txBody>
+      </p:sp>
+      <p:sp>
+        <p:nvSpPr>
+          <p:cNvPr id="5" name="Прямоугольник 4">
+            <a:extLst>
+              <a:ext uri="{FF2B5EF4-FFF2-40B4-BE49-F238E27FC236}">
+                <a16:creationId xmlns:a16="http://schemas.microsoft.com/office/drawing/2014/main" id="{0403912F-8CD5-EA52-4B22-CBA7ECD5EA8E}"/>
+              </a:ext>
+            </a:extLst>
+          </p:cNvPr>
+          <p:cNvSpPr/>
+          <p:nvPr/>
+        </p:nvSpPr>
+        <p:spPr>
+          <a:xfrm>
+            <a:off x="1" y="772357"/>
+            <a:ext cx="838200" cy="461639"/>
+          </a:xfrm>
+          <a:prstGeom prst="rect">
+            <a:avLst/>
+          </a:prstGeom>
+          <a:solidFill>
+            <a:schemeClr val="accent2">
+              <a:lumMod val="20000"/>
+              <a:lumOff val="80000"/>
+            </a:schemeClr>
+          </a:solidFill>
+          <a:ln>
+            <a:noFill/>
+          </a:ln>
+        </p:spPr>
+        <p:style>
+          <a:lnRef idx="2">
+            <a:schemeClr val="accent1">
+              <a:shade val="50000"/>
+            </a:schemeClr>
+          </a:lnRef>
+          <a:fillRef idx="1">
+            <a:schemeClr val="accent1"/>
+          </a:fillRef>
+          <a:effectRef idx="0">
+            <a:schemeClr val="accent1"/>
+          </a:effectRef>
+          <a:fontRef idx="minor">
+            <a:schemeClr val="lt1"/>
+          </a:fontRef>
+        </p:style>
+        <p:txBody>
+          <a:bodyPr rtlCol="0" anchor="ctr"/>
+          <a:lstStyle/>
+          <a:p>
+            <a:pPr algn="ctr"/>
+            <a:endParaRPr lang="ru-RU"/>
+          </a:p>
+        </p:txBody>
+      </p:sp>
+      <p:sp>
+        <p:nvSpPr>
+          <p:cNvPr id="6" name="Прямоугольник 5">
+            <a:extLst>
+              <a:ext uri="{FF2B5EF4-FFF2-40B4-BE49-F238E27FC236}">
+                <a16:creationId xmlns:a16="http://schemas.microsoft.com/office/drawing/2014/main" id="{F5DCBE3F-D532-C58A-A17E-F18EE4FA97E9}"/>
+              </a:ext>
+            </a:extLst>
+          </p:cNvPr>
+          <p:cNvSpPr/>
+          <p:nvPr/>
+        </p:nvSpPr>
+        <p:spPr>
+          <a:xfrm>
+            <a:off x="9712171" y="797086"/>
+            <a:ext cx="2479827" cy="461639"/>
+          </a:xfrm>
+          <a:prstGeom prst="rect">
+            <a:avLst/>
+          </a:prstGeom>
+          <a:solidFill>
+            <a:schemeClr val="accent2">
+              <a:lumMod val="20000"/>
+              <a:lumOff val="80000"/>
+            </a:schemeClr>
+          </a:solidFill>
+          <a:ln>
+            <a:noFill/>
+          </a:ln>
+        </p:spPr>
+        <p:style>
+          <a:lnRef idx="2">
+            <a:schemeClr val="accent1">
+              <a:shade val="50000"/>
+            </a:schemeClr>
+          </a:lnRef>
+          <a:fillRef idx="1">
+            <a:schemeClr val="accent1"/>
+          </a:fillRef>
+          <a:effectRef idx="0">
+            <a:schemeClr val="accent1"/>
+          </a:effectRef>
+          <a:fontRef idx="minor">
+            <a:schemeClr val="lt1"/>
+          </a:fontRef>
+        </p:style>
+        <p:txBody>
+          <a:bodyPr rtlCol="0" anchor="ctr"/>
+          <a:lstStyle/>
+          <a:p>
+            <a:pPr algn="ctr"/>
+            <a:endParaRPr lang="ru-RU"/>
+          </a:p>
+        </p:txBody>
+      </p:sp>
+      <p:pic>
+        <p:nvPicPr>
+          <p:cNvPr id="7" name="Рисунок 6">
+            <a:extLst>
+              <a:ext uri="{FF2B5EF4-FFF2-40B4-BE49-F238E27FC236}">
+                <a16:creationId xmlns:a16="http://schemas.microsoft.com/office/drawing/2014/main" id="{D569A037-DF3B-464C-326B-635728878355}"/>
+              </a:ext>
+            </a:extLst>
+          </p:cNvPr>
+          <p:cNvPicPr>
+            <a:picLocks noChangeAspect="1"/>
+          </p:cNvPicPr>
+          <p:nvPr/>
+        </p:nvPicPr>
+        <p:blipFill>
+          <a:blip r:embed="rId2"/>
+          <a:stretch>
+            <a:fillRect/>
+          </a:stretch>
+        </p:blipFill>
+        <p:spPr>
+          <a:xfrm>
+            <a:off x="0" y="1458000"/>
+            <a:ext cx="9112907" cy="5400000"/>
+          </a:xfrm>
+          <a:prstGeom prst="rect">
+            <a:avLst/>
+          </a:prstGeom>
+        </p:spPr>
+      </p:pic>
+      <p:sp>
+        <p:nvSpPr>
+          <p:cNvPr id="8" name="TextBox 7">
+            <a:extLst>
+              <a:ext uri="{FF2B5EF4-FFF2-40B4-BE49-F238E27FC236}">
+                <a16:creationId xmlns:a16="http://schemas.microsoft.com/office/drawing/2014/main" id="{3F002FCD-6873-B109-87DF-4A0DD0506503}"/>
+              </a:ext>
+            </a:extLst>
+          </p:cNvPr>
+          <p:cNvSpPr txBox="1"/>
+          <p:nvPr/>
+        </p:nvSpPr>
+        <p:spPr>
+          <a:xfrm>
+            <a:off x="9112909" y="1583504"/>
+            <a:ext cx="2969439" cy="369332"/>
+          </a:xfrm>
+          <a:prstGeom prst="rect">
+            <a:avLst/>
+          </a:prstGeom>
+          <a:noFill/>
+        </p:spPr>
+        <p:txBody>
+          <a:bodyPr wrap="square" rtlCol="0">
+            <a:spAutoFit/>
+          </a:bodyPr>
+          <a:lstStyle/>
+          <a:p>
+            <a:r>
+              <a:rPr lang="ru-RU" dirty="0">
+                <a:latin typeface="Montserrat" panose="00000500000000000000" pitchFamily="2" charset="-52"/>
+              </a:rPr>
+              <a:t>Только </a:t>
+            </a:r>
+            <a:r>
+              <a:rPr lang="ru-RU" b="1" dirty="0">
+                <a:latin typeface="Montserrat" panose="00000500000000000000" pitchFamily="2" charset="-52"/>
+              </a:rPr>
+              <a:t>Соль </a:t>
+            </a:r>
+            <a:r>
+              <a:rPr lang="en-US" b="1" dirty="0">
+                <a:latin typeface="Montserrat" panose="00000500000000000000" pitchFamily="2" charset="-52"/>
+              </a:rPr>
+              <a:t>&amp;</a:t>
+            </a:r>
+            <a:r>
+              <a:rPr lang="ru-RU" b="1" dirty="0">
+                <a:latin typeface="Montserrat" panose="00000500000000000000" pitchFamily="2" charset="-52"/>
+              </a:rPr>
+              <a:t> Перец</a:t>
+            </a:r>
+          </a:p>
+        </p:txBody>
+      </p:sp>
+    </p:spTree>
+    <p:extLst>
+      <p:ext uri="{BB962C8B-B14F-4D97-AF65-F5344CB8AC3E}">
+        <p14:creationId xmlns:p14="http://schemas.microsoft.com/office/powerpoint/2010/main" val="865149621"/>
+      </p:ext>
+    </p:extLst>
+  </p:cSld>
+  <p:clrMapOvr>
+    <a:masterClrMapping/>
+  </p:clrMapOvr>
+</p:sld>
+</file>
+
+<file path=ppt/slides/slide16.xml><?xml version="1.0" encoding="utf-8"?>
+<p:sld xmlns:a="http://schemas.openxmlformats.org/drawingml/2006/main" xmlns:r="http://schemas.openxmlformats.org/officeDocument/2006/relationships" xmlns:p="http://schemas.openxmlformats.org/presentationml/2006/main">
+  <p:cSld>
+    <p:bg>
+      <p:bgPr>
+        <a:solidFill>
+          <a:schemeClr val="accent4">
+            <a:lumMod val="20000"/>
+            <a:lumOff val="80000"/>
+            <a:alpha val="30000"/>
+          </a:schemeClr>
+        </a:solidFill>
+        <a:effectLst/>
+      </p:bgPr>
+    </p:bg>
+    <p:spTree>
+      <p:nvGrpSpPr>
+        <p:cNvPr id="1" name=""/>
+        <p:cNvGrpSpPr/>
+        <p:nvPr/>
+      </p:nvGrpSpPr>
+      <p:grpSpPr>
+        <a:xfrm>
+          <a:off x="0" y="0"/>
+          <a:ext cx="0" cy="0"/>
+          <a:chOff x="0" y="0"/>
+          <a:chExt cx="0" cy="0"/>
+        </a:xfrm>
+      </p:grpSpPr>
+      <p:sp>
+        <p:nvSpPr>
+          <p:cNvPr id="2" name="Заголовок 1">
+            <a:extLst>
+              <a:ext uri="{FF2B5EF4-FFF2-40B4-BE49-F238E27FC236}">
+                <a16:creationId xmlns:a16="http://schemas.microsoft.com/office/drawing/2014/main" id="{427CC174-0D2E-D9D8-FED7-5A47DDFB9D1F}"/>
+              </a:ext>
+            </a:extLst>
+          </p:cNvPr>
+          <p:cNvSpPr>
+            <a:spLocks noGrp="1"/>
+          </p:cNvSpPr>
+          <p:nvPr>
+            <p:ph type="title"/>
+          </p:nvPr>
+        </p:nvSpPr>
+        <p:spPr/>
+        <p:txBody>
+          <a:bodyPr/>
+          <a:lstStyle/>
+          <a:p>
+            <a:r>
+              <a:rPr lang="ru-RU" dirty="0">
+                <a:latin typeface="Montserrat" panose="00000500000000000000" pitchFamily="2" charset="-52"/>
+              </a:rPr>
+              <a:t>Результат работы программы</a:t>
+            </a:r>
+          </a:p>
+        </p:txBody>
+      </p:sp>
+      <p:sp>
+        <p:nvSpPr>
+          <p:cNvPr id="5" name="Прямоугольник 4">
+            <a:extLst>
+              <a:ext uri="{FF2B5EF4-FFF2-40B4-BE49-F238E27FC236}">
+                <a16:creationId xmlns:a16="http://schemas.microsoft.com/office/drawing/2014/main" id="{0403912F-8CD5-EA52-4B22-CBA7ECD5EA8E}"/>
+              </a:ext>
+            </a:extLst>
+          </p:cNvPr>
+          <p:cNvSpPr/>
+          <p:nvPr/>
+        </p:nvSpPr>
+        <p:spPr>
+          <a:xfrm>
+            <a:off x="1" y="772357"/>
+            <a:ext cx="838200" cy="461639"/>
+          </a:xfrm>
+          <a:prstGeom prst="rect">
+            <a:avLst/>
+          </a:prstGeom>
+          <a:solidFill>
+            <a:schemeClr val="accent2">
+              <a:lumMod val="20000"/>
+              <a:lumOff val="80000"/>
+            </a:schemeClr>
+          </a:solidFill>
+          <a:ln>
+            <a:noFill/>
+          </a:ln>
+        </p:spPr>
+        <p:style>
+          <a:lnRef idx="2">
+            <a:schemeClr val="accent1">
+              <a:shade val="50000"/>
+            </a:schemeClr>
+          </a:lnRef>
+          <a:fillRef idx="1">
+            <a:schemeClr val="accent1"/>
+          </a:fillRef>
+          <a:effectRef idx="0">
+            <a:schemeClr val="accent1"/>
+          </a:effectRef>
+          <a:fontRef idx="minor">
+            <a:schemeClr val="lt1"/>
+          </a:fontRef>
+        </p:style>
+        <p:txBody>
+          <a:bodyPr rtlCol="0" anchor="ctr"/>
+          <a:lstStyle/>
+          <a:p>
+            <a:pPr algn="ctr"/>
+            <a:endParaRPr lang="ru-RU"/>
+          </a:p>
+        </p:txBody>
+      </p:sp>
+      <p:sp>
+        <p:nvSpPr>
+          <p:cNvPr id="6" name="Прямоугольник 5">
+            <a:extLst>
+              <a:ext uri="{FF2B5EF4-FFF2-40B4-BE49-F238E27FC236}">
+                <a16:creationId xmlns:a16="http://schemas.microsoft.com/office/drawing/2014/main" id="{F5DCBE3F-D532-C58A-A17E-F18EE4FA97E9}"/>
+              </a:ext>
+            </a:extLst>
+          </p:cNvPr>
+          <p:cNvSpPr/>
+          <p:nvPr/>
+        </p:nvSpPr>
+        <p:spPr>
+          <a:xfrm>
+            <a:off x="9712171" y="797086"/>
+            <a:ext cx="2479827" cy="461639"/>
+          </a:xfrm>
+          <a:prstGeom prst="rect">
+            <a:avLst/>
+          </a:prstGeom>
+          <a:solidFill>
+            <a:schemeClr val="accent2">
+              <a:lumMod val="20000"/>
+              <a:lumOff val="80000"/>
+            </a:schemeClr>
+          </a:solidFill>
+          <a:ln>
+            <a:noFill/>
+          </a:ln>
+        </p:spPr>
+        <p:style>
+          <a:lnRef idx="2">
+            <a:schemeClr val="accent1">
+              <a:shade val="50000"/>
+            </a:schemeClr>
+          </a:lnRef>
+          <a:fillRef idx="1">
+            <a:schemeClr val="accent1"/>
+          </a:fillRef>
+          <a:effectRef idx="0">
+            <a:schemeClr val="accent1"/>
+          </a:effectRef>
+          <a:fontRef idx="minor">
+            <a:schemeClr val="lt1"/>
+          </a:fontRef>
+        </p:style>
+        <p:txBody>
+          <a:bodyPr rtlCol="0" anchor="ctr"/>
+          <a:lstStyle/>
+          <a:p>
+            <a:pPr algn="ctr"/>
+            <a:endParaRPr lang="ru-RU"/>
+          </a:p>
+        </p:txBody>
+      </p:sp>
+      <p:pic>
+        <p:nvPicPr>
+          <p:cNvPr id="4" name="Рисунок 3">
+            <a:extLst>
+              <a:ext uri="{FF2B5EF4-FFF2-40B4-BE49-F238E27FC236}">
+                <a16:creationId xmlns:a16="http://schemas.microsoft.com/office/drawing/2014/main" id="{4530EA24-541F-459D-B568-DED2E0E7CAA1}"/>
+              </a:ext>
+            </a:extLst>
+          </p:cNvPr>
+          <p:cNvPicPr>
+            <a:picLocks noChangeAspect="1"/>
+          </p:cNvPicPr>
+          <p:nvPr/>
+        </p:nvPicPr>
+        <p:blipFill>
+          <a:blip r:embed="rId2"/>
+          <a:stretch>
+            <a:fillRect/>
+          </a:stretch>
+        </p:blipFill>
+        <p:spPr>
+          <a:xfrm>
+            <a:off x="0" y="1458000"/>
+            <a:ext cx="9103971" cy="5400000"/>
+          </a:xfrm>
+          <a:prstGeom prst="rect">
+            <a:avLst/>
+          </a:prstGeom>
+        </p:spPr>
+      </p:pic>
+      <p:sp>
+        <p:nvSpPr>
+          <p:cNvPr id="8" name="TextBox 7">
+            <a:extLst>
+              <a:ext uri="{FF2B5EF4-FFF2-40B4-BE49-F238E27FC236}">
+                <a16:creationId xmlns:a16="http://schemas.microsoft.com/office/drawing/2014/main" id="{805103CB-763F-3F1A-8E31-29166F890100}"/>
+              </a:ext>
+            </a:extLst>
+          </p:cNvPr>
+          <p:cNvSpPr txBox="1"/>
+          <p:nvPr/>
+        </p:nvSpPr>
+        <p:spPr>
+          <a:xfrm>
+            <a:off x="9112909" y="1583504"/>
+            <a:ext cx="3079091" cy="369332"/>
+          </a:xfrm>
+          <a:prstGeom prst="rect">
+            <a:avLst/>
+          </a:prstGeom>
+          <a:noFill/>
+        </p:spPr>
+        <p:txBody>
+          <a:bodyPr wrap="square" rtlCol="0">
+            <a:spAutoFit/>
+          </a:bodyPr>
+          <a:lstStyle/>
+          <a:p>
+            <a:r>
+              <a:rPr lang="ru-RU" dirty="0">
+                <a:latin typeface="Montserrat" panose="00000500000000000000" pitchFamily="2" charset="-52"/>
+              </a:rPr>
+              <a:t>Только </a:t>
+            </a:r>
+            <a:r>
+              <a:rPr lang="en-US" b="1" dirty="0">
+                <a:latin typeface="Montserrat" panose="00000500000000000000" pitchFamily="2" charset="-52"/>
+              </a:rPr>
+              <a:t>Channel Shuffle</a:t>
+            </a:r>
+            <a:endParaRPr lang="ru-RU" b="1" dirty="0">
+              <a:latin typeface="Montserrat" panose="00000500000000000000" pitchFamily="2" charset="-52"/>
+            </a:endParaRPr>
+          </a:p>
+        </p:txBody>
+      </p:sp>
+    </p:spTree>
+    <p:extLst>
+      <p:ext uri="{BB962C8B-B14F-4D97-AF65-F5344CB8AC3E}">
+        <p14:creationId xmlns:p14="http://schemas.microsoft.com/office/powerpoint/2010/main" val="2086774657"/>
+      </p:ext>
+    </p:extLst>
+  </p:cSld>
+  <p:clrMapOvr>
+    <a:masterClrMapping/>
+  </p:clrMapOvr>
+</p:sld>
+</file>
+
+<file path=ppt/slides/slide17.xml><?xml version="1.0" encoding="utf-8"?>
+<p:sld xmlns:a="http://schemas.openxmlformats.org/drawingml/2006/main" xmlns:r="http://schemas.openxmlformats.org/officeDocument/2006/relationships" xmlns:p="http://schemas.openxmlformats.org/presentationml/2006/main">
+  <p:cSld>
+    <p:bg>
+      <p:bgPr>
+        <a:solidFill>
+          <a:schemeClr val="accent4">
+            <a:lumMod val="20000"/>
+            <a:lumOff val="80000"/>
+            <a:alpha val="30000"/>
+          </a:schemeClr>
+        </a:solidFill>
+        <a:effectLst/>
+      </p:bgPr>
+    </p:bg>
+    <p:spTree>
+      <p:nvGrpSpPr>
+        <p:cNvPr id="1" name=""/>
+        <p:cNvGrpSpPr/>
+        <p:nvPr/>
+      </p:nvGrpSpPr>
+      <p:grpSpPr>
+        <a:xfrm>
+          <a:off x="0" y="0"/>
+          <a:ext cx="0" cy="0"/>
+          <a:chOff x="0" y="0"/>
+          <a:chExt cx="0" cy="0"/>
+        </a:xfrm>
+      </p:grpSpPr>
+      <p:sp>
+        <p:nvSpPr>
+          <p:cNvPr id="2" name="Заголовок 1">
+            <a:extLst>
+              <a:ext uri="{FF2B5EF4-FFF2-40B4-BE49-F238E27FC236}">
+                <a16:creationId xmlns:a16="http://schemas.microsoft.com/office/drawing/2014/main" id="{427CC174-0D2E-D9D8-FED7-5A47DDFB9D1F}"/>
+              </a:ext>
+            </a:extLst>
+          </p:cNvPr>
+          <p:cNvSpPr>
+            <a:spLocks noGrp="1"/>
+          </p:cNvSpPr>
+          <p:nvPr>
+            <p:ph type="title"/>
+          </p:nvPr>
+        </p:nvSpPr>
+        <p:spPr/>
+        <p:txBody>
+          <a:bodyPr/>
+          <a:lstStyle/>
+          <a:p>
+            <a:r>
+              <a:rPr lang="ru-RU" dirty="0">
+                <a:latin typeface="Montserrat" panose="00000500000000000000" pitchFamily="2" charset="-52"/>
+              </a:rPr>
+              <a:t>Результат работы программы</a:t>
+            </a:r>
+          </a:p>
+        </p:txBody>
+      </p:sp>
+      <p:sp>
+        <p:nvSpPr>
+          <p:cNvPr id="5" name="Прямоугольник 4">
+            <a:extLst>
+              <a:ext uri="{FF2B5EF4-FFF2-40B4-BE49-F238E27FC236}">
+                <a16:creationId xmlns:a16="http://schemas.microsoft.com/office/drawing/2014/main" id="{0403912F-8CD5-EA52-4B22-CBA7ECD5EA8E}"/>
+              </a:ext>
+            </a:extLst>
+          </p:cNvPr>
+          <p:cNvSpPr/>
+          <p:nvPr/>
+        </p:nvSpPr>
+        <p:spPr>
+          <a:xfrm>
+            <a:off x="1" y="772357"/>
+            <a:ext cx="838200" cy="461639"/>
+          </a:xfrm>
+          <a:prstGeom prst="rect">
+            <a:avLst/>
+          </a:prstGeom>
+          <a:solidFill>
+            <a:schemeClr val="accent2">
+              <a:lumMod val="20000"/>
+              <a:lumOff val="80000"/>
+            </a:schemeClr>
+          </a:solidFill>
+          <a:ln>
+            <a:noFill/>
+          </a:ln>
+        </p:spPr>
+        <p:style>
+          <a:lnRef idx="2">
+            <a:schemeClr val="accent1">
+              <a:shade val="50000"/>
+            </a:schemeClr>
+          </a:lnRef>
+          <a:fillRef idx="1">
+            <a:schemeClr val="accent1"/>
+          </a:fillRef>
+          <a:effectRef idx="0">
+            <a:schemeClr val="accent1"/>
+          </a:effectRef>
+          <a:fontRef idx="minor">
+            <a:schemeClr val="lt1"/>
+          </a:fontRef>
+        </p:style>
+        <p:txBody>
+          <a:bodyPr rtlCol="0" anchor="ctr"/>
+          <a:lstStyle/>
+          <a:p>
+            <a:pPr algn="ctr"/>
+            <a:endParaRPr lang="ru-RU"/>
+          </a:p>
+        </p:txBody>
+      </p:sp>
+      <p:sp>
+        <p:nvSpPr>
+          <p:cNvPr id="6" name="Прямоугольник 5">
+            <a:extLst>
+              <a:ext uri="{FF2B5EF4-FFF2-40B4-BE49-F238E27FC236}">
+                <a16:creationId xmlns:a16="http://schemas.microsoft.com/office/drawing/2014/main" id="{F5DCBE3F-D532-C58A-A17E-F18EE4FA97E9}"/>
+              </a:ext>
+            </a:extLst>
+          </p:cNvPr>
+          <p:cNvSpPr/>
+          <p:nvPr/>
+        </p:nvSpPr>
+        <p:spPr>
+          <a:xfrm>
+            <a:off x="9712171" y="797086"/>
+            <a:ext cx="2479827" cy="461639"/>
+          </a:xfrm>
+          <a:prstGeom prst="rect">
+            <a:avLst/>
+          </a:prstGeom>
+          <a:solidFill>
+            <a:schemeClr val="accent2">
+              <a:lumMod val="20000"/>
+              <a:lumOff val="80000"/>
+            </a:schemeClr>
+          </a:solidFill>
+          <a:ln>
+            <a:noFill/>
+          </a:ln>
+        </p:spPr>
+        <p:style>
+          <a:lnRef idx="2">
+            <a:schemeClr val="accent1">
+              <a:shade val="50000"/>
+            </a:schemeClr>
+          </a:lnRef>
+          <a:fillRef idx="1">
+            <a:schemeClr val="accent1"/>
+          </a:fillRef>
+          <a:effectRef idx="0">
+            <a:schemeClr val="accent1"/>
+          </a:effectRef>
+          <a:fontRef idx="minor">
+            <a:schemeClr val="lt1"/>
+          </a:fontRef>
+        </p:style>
+        <p:txBody>
+          <a:bodyPr rtlCol="0" anchor="ctr"/>
+          <a:lstStyle/>
+          <a:p>
+            <a:pPr algn="ctr"/>
+            <a:endParaRPr lang="ru-RU"/>
+          </a:p>
+        </p:txBody>
+      </p:sp>
+      <p:pic>
+        <p:nvPicPr>
+          <p:cNvPr id="7" name="Рисунок 6">
+            <a:extLst>
+              <a:ext uri="{FF2B5EF4-FFF2-40B4-BE49-F238E27FC236}">
+                <a16:creationId xmlns:a16="http://schemas.microsoft.com/office/drawing/2014/main" id="{AD6B1191-86AB-902C-2936-915D55BED560}"/>
+              </a:ext>
+            </a:extLst>
+          </p:cNvPr>
+          <p:cNvPicPr>
+            <a:picLocks noChangeAspect="1"/>
+          </p:cNvPicPr>
+          <p:nvPr/>
+        </p:nvPicPr>
+        <p:blipFill>
+          <a:blip r:embed="rId2"/>
+          <a:stretch>
+            <a:fillRect/>
+          </a:stretch>
+        </p:blipFill>
+        <p:spPr>
+          <a:xfrm>
+            <a:off x="0" y="1458000"/>
+            <a:ext cx="9119421" cy="5400000"/>
+          </a:xfrm>
+          <a:prstGeom prst="rect">
+            <a:avLst/>
+          </a:prstGeom>
+        </p:spPr>
+      </p:pic>
+      <p:sp>
+        <p:nvSpPr>
+          <p:cNvPr id="8" name="TextBox 7">
+            <a:extLst>
+              <a:ext uri="{FF2B5EF4-FFF2-40B4-BE49-F238E27FC236}">
+                <a16:creationId xmlns:a16="http://schemas.microsoft.com/office/drawing/2014/main" id="{0E1EA449-1806-DC60-4749-BFB7C87E1ECB}"/>
+              </a:ext>
+            </a:extLst>
+          </p:cNvPr>
+          <p:cNvSpPr txBox="1"/>
+          <p:nvPr/>
+        </p:nvSpPr>
+        <p:spPr>
+          <a:xfrm>
+            <a:off x="9112909" y="1583504"/>
+            <a:ext cx="2969439" cy="2308324"/>
+          </a:xfrm>
+          <a:prstGeom prst="rect">
+            <a:avLst/>
+          </a:prstGeom>
+          <a:noFill/>
+        </p:spPr>
+        <p:txBody>
+          <a:bodyPr wrap="square" rtlCol="0">
+            <a:spAutoFit/>
+          </a:bodyPr>
+          <a:lstStyle/>
+          <a:p>
+            <a:r>
+              <a:rPr lang="ru-RU" b="1" dirty="0">
+                <a:latin typeface="Montserrat" panose="00000500000000000000" pitchFamily="2" charset="-52"/>
+              </a:rPr>
+              <a:t>Нормальное распределение</a:t>
+            </a:r>
+          </a:p>
+          <a:p>
+            <a:r>
+              <a:rPr lang="en-US" b="1" dirty="0">
+                <a:latin typeface="Montserrat" panose="00000500000000000000" pitchFamily="2" charset="-52"/>
+              </a:rPr>
+              <a:t>    </a:t>
+            </a:r>
+            <a:r>
+              <a:rPr lang="ru-RU" b="1" dirty="0">
+                <a:latin typeface="Montserrat" panose="00000500000000000000" pitchFamily="2" charset="-52"/>
+              </a:rPr>
+              <a:t>+</a:t>
+            </a:r>
+          </a:p>
+          <a:p>
+            <a:r>
+              <a:rPr lang="ru-RU" b="1" dirty="0">
+                <a:latin typeface="Montserrat" panose="00000500000000000000" pitchFamily="2" charset="-52"/>
+              </a:rPr>
+              <a:t>Гаусса</a:t>
+            </a:r>
+          </a:p>
+          <a:p>
+            <a:r>
+              <a:rPr lang="en-US" b="1" dirty="0">
+                <a:latin typeface="Montserrat" panose="00000500000000000000" pitchFamily="2" charset="-52"/>
+              </a:rPr>
+              <a:t>    </a:t>
+            </a:r>
+            <a:r>
+              <a:rPr lang="ru-RU" b="1" dirty="0">
+                <a:latin typeface="Montserrat" panose="00000500000000000000" pitchFamily="2" charset="-52"/>
+              </a:rPr>
+              <a:t>+</a:t>
+            </a:r>
+          </a:p>
+          <a:p>
+            <a:r>
+              <a:rPr lang="ru-RU" b="1" dirty="0">
+                <a:latin typeface="Montserrat" panose="00000500000000000000" pitchFamily="2" charset="-52"/>
+              </a:rPr>
+              <a:t>Соль </a:t>
+            </a:r>
+            <a:r>
+              <a:rPr lang="en-US" b="1" dirty="0">
+                <a:latin typeface="Montserrat" panose="00000500000000000000" pitchFamily="2" charset="-52"/>
+              </a:rPr>
+              <a:t>&amp;</a:t>
+            </a:r>
+            <a:r>
+              <a:rPr lang="ru-RU" b="1" dirty="0">
+                <a:latin typeface="Montserrat" panose="00000500000000000000" pitchFamily="2" charset="-52"/>
+              </a:rPr>
+              <a:t> Перец</a:t>
+            </a:r>
+          </a:p>
+          <a:p>
+            <a:r>
+              <a:rPr lang="en-US" b="1" dirty="0">
+                <a:latin typeface="Montserrat" panose="00000500000000000000" pitchFamily="2" charset="-52"/>
+              </a:rPr>
+              <a:t>    </a:t>
+            </a:r>
+            <a:r>
+              <a:rPr lang="ru-RU" b="1" dirty="0">
+                <a:latin typeface="Montserrat" panose="00000500000000000000" pitchFamily="2" charset="-52"/>
+              </a:rPr>
+              <a:t>+</a:t>
+            </a:r>
+          </a:p>
+          <a:p>
+            <a:r>
+              <a:rPr lang="en-US" b="1" dirty="0">
+                <a:latin typeface="Montserrat" panose="00000500000000000000" pitchFamily="2" charset="-52"/>
+              </a:rPr>
+              <a:t>Channel Shuffle</a:t>
+            </a:r>
+            <a:endParaRPr lang="ru-RU" b="1" dirty="0">
+              <a:latin typeface="Montserrat" panose="00000500000000000000" pitchFamily="2" charset="-52"/>
+            </a:endParaRPr>
+          </a:p>
+        </p:txBody>
+      </p:sp>
+    </p:spTree>
+    <p:extLst>
+      <p:ext uri="{BB962C8B-B14F-4D97-AF65-F5344CB8AC3E}">
+        <p14:creationId xmlns:p14="http://schemas.microsoft.com/office/powerpoint/2010/main" val="1706506273"/>
+      </p:ext>
+    </p:extLst>
+  </p:cSld>
+  <p:clrMapOvr>
+    <a:masterClrMapping/>
+  </p:clrMapOvr>
+</p:sld>
+</file>
+
+<file path=ppt/slides/slide18.xml><?xml version="1.0" encoding="utf-8"?>
+<p:sld xmlns:a="http://schemas.openxmlformats.org/drawingml/2006/main" xmlns:r="http://schemas.openxmlformats.org/officeDocument/2006/relationships" xmlns:p="http://schemas.openxmlformats.org/presentationml/2006/main">
+  <p:cSld>
+    <p:bg>
+      <p:bgPr>
+        <a:solidFill>
+          <a:schemeClr val="accent4">
+            <a:lumMod val="20000"/>
+            <a:lumOff val="80000"/>
+            <a:alpha val="30000"/>
+          </a:schemeClr>
+        </a:solidFill>
+        <a:effectLst/>
+      </p:bgPr>
+    </p:bg>
+    <p:spTree>
+      <p:nvGrpSpPr>
+        <p:cNvPr id="1" name=""/>
+        <p:cNvGrpSpPr/>
+        <p:nvPr/>
+      </p:nvGrpSpPr>
+      <p:grpSpPr>
+        <a:xfrm>
+          <a:off x="0" y="0"/>
+          <a:ext cx="0" cy="0"/>
+          <a:chOff x="0" y="0"/>
+          <a:chExt cx="0" cy="0"/>
+        </a:xfrm>
+      </p:grpSpPr>
+      <p:sp>
+        <p:nvSpPr>
+          <p:cNvPr id="2" name="Заголовок 1">
+            <a:extLst>
+              <a:ext uri="{FF2B5EF4-FFF2-40B4-BE49-F238E27FC236}">
+                <a16:creationId xmlns:a16="http://schemas.microsoft.com/office/drawing/2014/main" id="{427CC174-0D2E-D9D8-FED7-5A47DDFB9D1F}"/>
+              </a:ext>
+            </a:extLst>
+          </p:cNvPr>
+          <p:cNvSpPr>
+            <a:spLocks noGrp="1"/>
+          </p:cNvSpPr>
+          <p:nvPr>
+            <p:ph type="title"/>
+          </p:nvPr>
+        </p:nvSpPr>
+        <p:spPr/>
+        <p:txBody>
+          <a:bodyPr/>
+          <a:lstStyle/>
+          <a:p>
+            <a:r>
+              <a:rPr lang="ru-RU" dirty="0">
+                <a:latin typeface="Montserrat" panose="00000500000000000000" pitchFamily="2" charset="-52"/>
+              </a:rPr>
+              <a:t>Результат работы программы</a:t>
+            </a:r>
+          </a:p>
+        </p:txBody>
+      </p:sp>
+      <p:sp>
+        <p:nvSpPr>
+          <p:cNvPr id="5" name="Прямоугольник 4">
+            <a:extLst>
+              <a:ext uri="{FF2B5EF4-FFF2-40B4-BE49-F238E27FC236}">
+                <a16:creationId xmlns:a16="http://schemas.microsoft.com/office/drawing/2014/main" id="{0403912F-8CD5-EA52-4B22-CBA7ECD5EA8E}"/>
+              </a:ext>
+            </a:extLst>
+          </p:cNvPr>
+          <p:cNvSpPr/>
+          <p:nvPr/>
+        </p:nvSpPr>
+        <p:spPr>
+          <a:xfrm>
+            <a:off x="1" y="772357"/>
+            <a:ext cx="838200" cy="461639"/>
+          </a:xfrm>
+          <a:prstGeom prst="rect">
+            <a:avLst/>
+          </a:prstGeom>
+          <a:solidFill>
+            <a:schemeClr val="accent2">
+              <a:lumMod val="20000"/>
+              <a:lumOff val="80000"/>
+            </a:schemeClr>
+          </a:solidFill>
+          <a:ln>
+            <a:noFill/>
+          </a:ln>
+        </p:spPr>
+        <p:style>
+          <a:lnRef idx="2">
+            <a:schemeClr val="accent1">
+              <a:shade val="50000"/>
+            </a:schemeClr>
+          </a:lnRef>
+          <a:fillRef idx="1">
+            <a:schemeClr val="accent1"/>
+          </a:fillRef>
+          <a:effectRef idx="0">
+            <a:schemeClr val="accent1"/>
+          </a:effectRef>
+          <a:fontRef idx="minor">
+            <a:schemeClr val="lt1"/>
+          </a:fontRef>
+        </p:style>
+        <p:txBody>
+          <a:bodyPr rtlCol="0" anchor="ctr"/>
+          <a:lstStyle/>
+          <a:p>
+            <a:pPr algn="ctr"/>
+            <a:endParaRPr lang="ru-RU"/>
+          </a:p>
+        </p:txBody>
+      </p:sp>
+      <p:sp>
+        <p:nvSpPr>
+          <p:cNvPr id="6" name="Прямоугольник 5">
+            <a:extLst>
+              <a:ext uri="{FF2B5EF4-FFF2-40B4-BE49-F238E27FC236}">
+                <a16:creationId xmlns:a16="http://schemas.microsoft.com/office/drawing/2014/main" id="{F5DCBE3F-D532-C58A-A17E-F18EE4FA97E9}"/>
+              </a:ext>
+            </a:extLst>
+          </p:cNvPr>
+          <p:cNvSpPr/>
+          <p:nvPr/>
+        </p:nvSpPr>
+        <p:spPr>
+          <a:xfrm>
+            <a:off x="9712171" y="797086"/>
+            <a:ext cx="2479827" cy="461639"/>
+          </a:xfrm>
+          <a:prstGeom prst="rect">
+            <a:avLst/>
+          </a:prstGeom>
+          <a:solidFill>
+            <a:schemeClr val="accent2">
+              <a:lumMod val="20000"/>
+              <a:lumOff val="80000"/>
+            </a:schemeClr>
+          </a:solidFill>
+          <a:ln>
+            <a:noFill/>
+          </a:ln>
+        </p:spPr>
+        <p:style>
+          <a:lnRef idx="2">
+            <a:schemeClr val="accent1">
+              <a:shade val="50000"/>
+            </a:schemeClr>
+          </a:lnRef>
+          <a:fillRef idx="1">
+            <a:schemeClr val="accent1"/>
+          </a:fillRef>
+          <a:effectRef idx="0">
+            <a:schemeClr val="accent1"/>
+          </a:effectRef>
+          <a:fontRef idx="minor">
+            <a:schemeClr val="lt1"/>
+          </a:fontRef>
+        </p:style>
+        <p:txBody>
+          <a:bodyPr rtlCol="0" anchor="ctr"/>
+          <a:lstStyle/>
+          <a:p>
+            <a:pPr algn="ctr"/>
+            <a:endParaRPr lang="ru-RU"/>
+          </a:p>
+        </p:txBody>
+      </p:sp>
+      <p:sp>
+        <p:nvSpPr>
+          <p:cNvPr id="8" name="TextBox 7">
+            <a:extLst>
+              <a:ext uri="{FF2B5EF4-FFF2-40B4-BE49-F238E27FC236}">
+                <a16:creationId xmlns:a16="http://schemas.microsoft.com/office/drawing/2014/main" id="{0E1EA449-1806-DC60-4749-BFB7C87E1ECB}"/>
+              </a:ext>
+            </a:extLst>
+          </p:cNvPr>
+          <p:cNvSpPr txBox="1"/>
+          <p:nvPr/>
+        </p:nvSpPr>
+        <p:spPr>
+          <a:xfrm>
+            <a:off x="7071045" y="1690686"/>
+            <a:ext cx="2969439" cy="646331"/>
+          </a:xfrm>
+          <a:prstGeom prst="rect">
+            <a:avLst/>
+          </a:prstGeom>
+          <a:noFill/>
+        </p:spPr>
+        <p:txBody>
+          <a:bodyPr wrap="square" rtlCol="0">
+            <a:spAutoFit/>
+          </a:bodyPr>
+          <a:lstStyle/>
+          <a:p>
+            <a:r>
+              <a:rPr lang="ru-RU" dirty="0">
+                <a:latin typeface="Montserrat" panose="00000500000000000000" pitchFamily="2" charset="-52"/>
+              </a:rPr>
+              <a:t>Фотографию можно </a:t>
+            </a:r>
+            <a:r>
+              <a:rPr lang="ru-RU" b="1" dirty="0">
+                <a:latin typeface="Montserrat" panose="00000500000000000000" pitchFamily="2" charset="-52"/>
+              </a:rPr>
+              <a:t>сохранить</a:t>
+            </a:r>
+          </a:p>
+        </p:txBody>
+      </p:sp>
+      <p:pic>
+        <p:nvPicPr>
+          <p:cNvPr id="4" name="Рисунок 3">
+            <a:extLst>
+              <a:ext uri="{FF2B5EF4-FFF2-40B4-BE49-F238E27FC236}">
+                <a16:creationId xmlns:a16="http://schemas.microsoft.com/office/drawing/2014/main" id="{5B3B5568-ABB8-5A71-00B1-38B94E410B5F}"/>
+              </a:ext>
+            </a:extLst>
+          </p:cNvPr>
+          <p:cNvPicPr>
+            <a:picLocks noChangeAspect="1"/>
+          </p:cNvPicPr>
+          <p:nvPr/>
+        </p:nvPicPr>
+        <p:blipFill>
+          <a:blip r:embed="rId2"/>
+          <a:stretch>
+            <a:fillRect/>
+          </a:stretch>
+        </p:blipFill>
+        <p:spPr>
+          <a:xfrm>
+            <a:off x="0" y="1681506"/>
+            <a:ext cx="6871317" cy="5176494"/>
+          </a:xfrm>
+          <a:prstGeom prst="rect">
+            <a:avLst/>
+          </a:prstGeom>
+        </p:spPr>
+      </p:pic>
+    </p:spTree>
+    <p:extLst>
+      <p:ext uri="{BB962C8B-B14F-4D97-AF65-F5344CB8AC3E}">
+        <p14:creationId xmlns:p14="http://schemas.microsoft.com/office/powerpoint/2010/main" val="396013171"/>
+      </p:ext>
+    </p:extLst>
+  </p:cSld>
+  <p:clrMapOvr>
+    <a:masterClrMapping/>
+  </p:clrMapOvr>
+</p:sld>
+</file>
+
+<file path=ppt/slides/slide19.xml><?xml version="1.0" encoding="utf-8"?>
+<p:sld xmlns:a="http://schemas.openxmlformats.org/drawingml/2006/main" xmlns:r="http://schemas.openxmlformats.org/officeDocument/2006/relationships" xmlns:p="http://schemas.openxmlformats.org/presentationml/2006/main">
+  <p:cSld>
+    <p:bg>
+      <p:bgPr>
+        <a:solidFill>
+          <a:schemeClr val="accent4">
+            <a:lumMod val="20000"/>
+            <a:lumOff val="80000"/>
+            <a:alpha val="30000"/>
+          </a:schemeClr>
+        </a:solidFill>
+        <a:effectLst/>
+      </p:bgPr>
+    </p:bg>
+    <p:spTree>
+      <p:nvGrpSpPr>
+        <p:cNvPr id="1" name=""/>
+        <p:cNvGrpSpPr/>
+        <p:nvPr/>
+      </p:nvGrpSpPr>
+      <p:grpSpPr>
+        <a:xfrm>
+          <a:off x="0" y="0"/>
+          <a:ext cx="0" cy="0"/>
+          <a:chOff x="0" y="0"/>
+          <a:chExt cx="0" cy="0"/>
+        </a:xfrm>
+      </p:grpSpPr>
+      <p:sp>
+        <p:nvSpPr>
+          <p:cNvPr id="2" name="Заголовок 1">
+            <a:extLst>
+              <a:ext uri="{FF2B5EF4-FFF2-40B4-BE49-F238E27FC236}">
+                <a16:creationId xmlns:a16="http://schemas.microsoft.com/office/drawing/2014/main" id="{427CC174-0D2E-D9D8-FED7-5A47DDFB9D1F}"/>
+              </a:ext>
+            </a:extLst>
+          </p:cNvPr>
+          <p:cNvSpPr>
+            <a:spLocks noGrp="1"/>
+          </p:cNvSpPr>
+          <p:nvPr>
+            <p:ph type="title"/>
+          </p:nvPr>
+        </p:nvSpPr>
+        <p:spPr/>
+        <p:txBody>
+          <a:bodyPr/>
+          <a:lstStyle/>
+          <a:p>
+            <a:r>
+              <a:rPr lang="en-US" dirty="0">
+                <a:latin typeface="Montserrat" panose="00000500000000000000" pitchFamily="2" charset="-52"/>
+              </a:rPr>
+              <a:t>GitHub</a:t>
+            </a:r>
+            <a:endParaRPr lang="ru-RU" dirty="0">
+              <a:latin typeface="Montserrat" panose="00000500000000000000" pitchFamily="2" charset="-52"/>
+            </a:endParaRPr>
+          </a:p>
+        </p:txBody>
+      </p:sp>
+      <p:sp>
+        <p:nvSpPr>
+          <p:cNvPr id="5" name="Прямоугольник 4">
+            <a:extLst>
+              <a:ext uri="{FF2B5EF4-FFF2-40B4-BE49-F238E27FC236}">
+                <a16:creationId xmlns:a16="http://schemas.microsoft.com/office/drawing/2014/main" id="{0403912F-8CD5-EA52-4B22-CBA7ECD5EA8E}"/>
+              </a:ext>
+            </a:extLst>
+          </p:cNvPr>
+          <p:cNvSpPr/>
+          <p:nvPr/>
+        </p:nvSpPr>
+        <p:spPr>
+          <a:xfrm>
+            <a:off x="1" y="772357"/>
+            <a:ext cx="838200" cy="461639"/>
+          </a:xfrm>
+          <a:prstGeom prst="rect">
+            <a:avLst/>
+          </a:prstGeom>
+          <a:solidFill>
+            <a:schemeClr val="accent2">
+              <a:lumMod val="20000"/>
+              <a:lumOff val="80000"/>
+            </a:schemeClr>
+          </a:solidFill>
+          <a:ln>
+            <a:noFill/>
+          </a:ln>
+        </p:spPr>
+        <p:style>
+          <a:lnRef idx="2">
+            <a:schemeClr val="accent1">
+              <a:shade val="50000"/>
+            </a:schemeClr>
+          </a:lnRef>
+          <a:fillRef idx="1">
+            <a:schemeClr val="accent1"/>
+          </a:fillRef>
+          <a:effectRef idx="0">
+            <a:schemeClr val="accent1"/>
+          </a:effectRef>
+          <a:fontRef idx="minor">
+            <a:schemeClr val="lt1"/>
+          </a:fontRef>
+        </p:style>
+        <p:txBody>
+          <a:bodyPr rtlCol="0" anchor="ctr"/>
+          <a:lstStyle/>
+          <a:p>
+            <a:pPr algn="ctr"/>
+            <a:endParaRPr lang="ru-RU"/>
+          </a:p>
+        </p:txBody>
+      </p:sp>
+      <p:sp>
+        <p:nvSpPr>
+          <p:cNvPr id="6" name="Прямоугольник 5">
+            <a:extLst>
+              <a:ext uri="{FF2B5EF4-FFF2-40B4-BE49-F238E27FC236}">
+                <a16:creationId xmlns:a16="http://schemas.microsoft.com/office/drawing/2014/main" id="{F5DCBE3F-D532-C58A-A17E-F18EE4FA97E9}"/>
+              </a:ext>
+            </a:extLst>
+          </p:cNvPr>
+          <p:cNvSpPr/>
+          <p:nvPr/>
+        </p:nvSpPr>
+        <p:spPr>
+          <a:xfrm>
+            <a:off x="3027285" y="797086"/>
+            <a:ext cx="9164713" cy="461639"/>
+          </a:xfrm>
+          <a:prstGeom prst="rect">
+            <a:avLst/>
+          </a:prstGeom>
+          <a:solidFill>
+            <a:schemeClr val="accent2">
+              <a:lumMod val="20000"/>
+              <a:lumOff val="80000"/>
+            </a:schemeClr>
+          </a:solidFill>
+          <a:ln>
+            <a:noFill/>
+          </a:ln>
+        </p:spPr>
+        <p:style>
+          <a:lnRef idx="2">
+            <a:schemeClr val="accent1">
+              <a:shade val="50000"/>
+            </a:schemeClr>
+          </a:lnRef>
+          <a:fillRef idx="1">
+            <a:schemeClr val="accent1"/>
+          </a:fillRef>
+          <a:effectRef idx="0">
+            <a:schemeClr val="accent1"/>
+          </a:effectRef>
+          <a:fontRef idx="minor">
+            <a:schemeClr val="lt1"/>
+          </a:fontRef>
+        </p:style>
+        <p:txBody>
+          <a:bodyPr rtlCol="0" anchor="ctr"/>
+          <a:lstStyle/>
+          <a:p>
+            <a:pPr algn="ctr"/>
+            <a:endParaRPr lang="ru-RU"/>
+          </a:p>
+        </p:txBody>
+      </p:sp>
+      <p:sp>
+        <p:nvSpPr>
+          <p:cNvPr id="8" name="TextBox 7">
+            <a:extLst>
+              <a:ext uri="{FF2B5EF4-FFF2-40B4-BE49-F238E27FC236}">
+                <a16:creationId xmlns:a16="http://schemas.microsoft.com/office/drawing/2014/main" id="{0E1EA449-1806-DC60-4749-BFB7C87E1ECB}"/>
+              </a:ext>
+            </a:extLst>
+          </p:cNvPr>
+          <p:cNvSpPr txBox="1"/>
+          <p:nvPr/>
+        </p:nvSpPr>
+        <p:spPr>
+          <a:xfrm>
+            <a:off x="2685475" y="3609534"/>
+            <a:ext cx="9397033" cy="523220"/>
+          </a:xfrm>
+          <a:prstGeom prst="rect">
+            <a:avLst/>
+          </a:prstGeom>
+          <a:noFill/>
+        </p:spPr>
+        <p:txBody>
+          <a:bodyPr wrap="square" rtlCol="0">
+            <a:spAutoFit/>
+          </a:bodyPr>
+          <a:lstStyle/>
+          <a:p>
+            <a:r>
+              <a:rPr lang="en-US" sz="2800" dirty="0">
+                <a:latin typeface="Montserrat" panose="00000500000000000000" pitchFamily="2" charset="-52"/>
+                <a:hlinkClick r:id="rId2">
+                  <a:extLst>
+                    <a:ext uri="{A12FA001-AC4F-418D-AE19-62706E023703}">
+                      <ahyp:hlinkClr xmlns:ahyp="http://schemas.microsoft.com/office/drawing/2018/hyperlinkcolor" val="tx"/>
+                    </a:ext>
+                  </a:extLst>
+                </a:hlinkClick>
+              </a:rPr>
+              <a:t>https://github.com/stoicismguy/K14_TerentevDA</a:t>
+            </a:r>
+            <a:endParaRPr lang="ru-RU" sz="2800" b="1" dirty="0">
+              <a:latin typeface="Montserrat" panose="00000500000000000000" pitchFamily="2" charset="-52"/>
+            </a:endParaRPr>
+          </a:p>
+        </p:txBody>
+      </p:sp>
+      <p:pic>
+        <p:nvPicPr>
+          <p:cNvPr id="2050" name="Picture 2">
+            <a:extLst>
+              <a:ext uri="{FF2B5EF4-FFF2-40B4-BE49-F238E27FC236}">
+                <a16:creationId xmlns:a16="http://schemas.microsoft.com/office/drawing/2014/main" id="{F528AD37-FC63-FEB4-68A7-62480EECBE5D}"/>
+              </a:ext>
+            </a:extLst>
+          </p:cNvPr>
+          <p:cNvPicPr>
+            <a:picLocks noChangeAspect="1" noChangeArrowheads="1"/>
+          </p:cNvPicPr>
+          <p:nvPr/>
+        </p:nvPicPr>
+        <p:blipFill>
+          <a:blip r:embed="rId3">
+            <a:extLst>
+              <a:ext uri="{28A0092B-C50C-407E-A947-70E740481C1C}">
+                <a14:useLocalDpi xmlns:a14="http://schemas.microsoft.com/office/drawing/2010/main" val="0"/>
+              </a:ext>
+            </a:extLst>
+          </a:blip>
+          <a:srcRect/>
+          <a:stretch>
+            <a:fillRect/>
+          </a:stretch>
+        </p:blipFill>
+        <p:spPr bwMode="auto">
+          <a:xfrm>
+            <a:off x="625135" y="2923453"/>
+            <a:ext cx="1895383" cy="1895383"/>
+          </a:xfrm>
+          <a:prstGeom prst="rect">
+            <a:avLst/>
+          </a:prstGeom>
+          <a:noFill/>
+          <a:extLst>
+            <a:ext uri="{909E8E84-426E-40DD-AFC4-6F175D3DCCD1}">
+              <a14:hiddenFill xmlns:a14="http://schemas.microsoft.com/office/drawing/2010/main">
+                <a:solidFill>
+                  <a:srgbClr val="FFFFFF"/>
+                </a:solidFill>
+              </a14:hiddenFill>
+            </a:ext>
+          </a:extLst>
+        </p:spPr>
+      </p:pic>
+    </p:spTree>
+    <p:extLst>
+      <p:ext uri="{BB962C8B-B14F-4D97-AF65-F5344CB8AC3E}">
+        <p14:creationId xmlns:p14="http://schemas.microsoft.com/office/powerpoint/2010/main" val="3366354544"/>
       </p:ext>
     </p:extLst>
   </p:cSld>
@@ -3705,7 +7514,21 @@
             <p:ph idx="1"/>
           </p:nvPr>
         </p:nvSpPr>
-        <p:spPr/>
+        <p:spPr>
+          <a:xfrm>
+            <a:off x="1219200" y="2438401"/>
+            <a:ext cx="9753600" cy="3420862"/>
+          </a:xfrm>
+          <a:solidFill>
+            <a:schemeClr val="accent2">
+              <a:lumMod val="40000"/>
+              <a:lumOff val="60000"/>
+            </a:schemeClr>
+          </a:solidFill>
+          <a:ln>
+            <a:noFill/>
+          </a:ln>
+        </p:spPr>
         <p:txBody>
           <a:bodyPr anchor="ctr">
             <a:normAutofit/>
@@ -4058,14 +7881,16 @@
         </p:nvSpPr>
         <p:spPr/>
         <p:txBody>
-          <a:bodyPr/>
+          <a:bodyPr>
+            <a:normAutofit fontScale="92500" lnSpcReduction="10000"/>
+          </a:bodyPr>
           <a:lstStyle/>
           <a:p>
             <a:pPr marL="742950" indent="-742950">
               <a:buAutoNum type="arabicPeriod"/>
             </a:pPr>
             <a:r>
-              <a:rPr lang="ru-RU" sz="4400" dirty="0">
+              <a:rPr lang="ru-RU" sz="4300" dirty="0">
                 <a:latin typeface="Montserrat Light" panose="00000400000000000000" pitchFamily="2" charset="-52"/>
               </a:rPr>
               <a:t>определиться с типами шума</a:t>
@@ -4076,7 +7901,7 @@
               <a:buAutoNum type="arabicPeriod"/>
             </a:pPr>
             <a:r>
-              <a:rPr lang="ru-RU" sz="4400" dirty="0">
+              <a:rPr lang="ru-RU" sz="4300" dirty="0">
                 <a:latin typeface="Montserrat Light" panose="00000400000000000000" pitchFamily="2" charset="-52"/>
               </a:rPr>
               <a:t>выбрать библиотеку для создания</a:t>
@@ -4087,7 +7912,7 @@
               <a:buAutoNum type="arabicPeriod"/>
             </a:pPr>
             <a:r>
-              <a:rPr lang="ru-RU" sz="4400" dirty="0">
+              <a:rPr lang="ru-RU" sz="4300" dirty="0">
                 <a:latin typeface="Montserrat Light" panose="00000400000000000000" pitchFamily="2" charset="-52"/>
               </a:rPr>
               <a:t>создать макет приложения</a:t>
@@ -4098,10 +7923,21 @@
               <a:buAutoNum type="arabicPeriod"/>
             </a:pPr>
             <a:r>
-              <a:rPr lang="ru-RU" sz="4400" dirty="0">
+              <a:rPr lang="ru-RU" sz="4300" dirty="0">
                 <a:latin typeface="Montserrat Light" panose="00000400000000000000" pitchFamily="2" charset="-52"/>
               </a:rPr>
-              <a:t>закодироваться</a:t>
+              <a:t>придумать как реализовать возможностью сразу видеть преображенное фото</a:t>
+            </a:r>
+          </a:p>
+          <a:p>
+            <a:pPr marL="742950" indent="-742950">
+              <a:buAutoNum type="arabicPeriod"/>
+            </a:pPr>
+            <a:r>
+              <a:rPr lang="ru-RU" sz="4300" dirty="0">
+                <a:latin typeface="Montserrat Light" panose="00000400000000000000" pitchFamily="2" charset="-52"/>
+              </a:rPr>
+              <a:t>закодироваться)</a:t>
             </a:r>
           </a:p>
           <a:p>
@@ -4380,7 +8216,7 @@
               <a:rPr lang="ru-RU" sz="4000" dirty="0">
                 <a:latin typeface="Montserrat Light" panose="00000400000000000000" pitchFamily="2" charset="-52"/>
               </a:rPr>
-              <a:t>Шум гаусса</a:t>
+              <a:t>Шум Гаусса</a:t>
             </a:r>
             <a:r>
               <a:rPr lang="en-US" sz="4000" dirty="0">
@@ -4425,6 +8261,29 @@
                 <a:latin typeface="Montserrat Light" panose="00000400000000000000" pitchFamily="2" charset="-52"/>
               </a:rPr>
               <a:t> (Salt &amp; Pepper)</a:t>
+            </a:r>
+          </a:p>
+          <a:p>
+            <a:pPr marL="0" indent="0">
+              <a:buNone/>
+            </a:pPr>
+            <a:r>
+              <a:rPr lang="en-US" sz="4000" dirty="0">
+                <a:latin typeface="Montserrat Light" panose="00000400000000000000" pitchFamily="2" charset="-52"/>
+              </a:rPr>
+              <a:t>4. </a:t>
+            </a:r>
+            <a:r>
+              <a:rPr lang="ru-RU" sz="4000" dirty="0">
+                <a:latin typeface="Montserrat Light" panose="00000400000000000000" pitchFamily="2" charset="-52"/>
+              </a:rPr>
+              <a:t>Изменение каналов </a:t>
+            </a:r>
+            <a:r>
+              <a:rPr lang="en-US" sz="4000" dirty="0">
+                <a:latin typeface="Montserrat Light" panose="00000400000000000000" pitchFamily="2" charset="-52"/>
+              </a:rPr>
+              <a:t>RGB (Channel Shuffle)</a:t>
             </a:r>
             <a:endParaRPr lang="ru-RU" sz="4000" dirty="0">
               <a:latin typeface="Montserrat Light" panose="00000400000000000000" pitchFamily="2" charset="-52"/>
@@ -4635,7 +8494,7 @@
           <a:bodyPr anchor="t"/>
           <a:lstStyle/>
           <a:p>
-            <a:pPr marL="0" indent="0">
+            <a:pPr marL="0" indent="0" algn="ctr">
               <a:buNone/>
             </a:pPr>
             <a:r>
@@ -4676,7 +8535,7 @@
             </a:r>
           </a:p>
           <a:p>
-            <a:pPr marL="0" indent="0">
+            <a:pPr marL="0" indent="0" algn="ctr">
               <a:buNone/>
             </a:pPr>
             <a:r>
@@ -5040,10 +8899,10 @@
       </p:sp>
       <p:pic>
         <p:nvPicPr>
-          <p:cNvPr id="4" name="Рисунок 3" descr="Изображение выглядит как снимок экрана, текст, Красочность, дизайн&#10;&#10;Автоматически созданное описание">
-            <a:extLst>
-              <a:ext uri="{FF2B5EF4-FFF2-40B4-BE49-F238E27FC236}">
-                <a16:creationId xmlns:a16="http://schemas.microsoft.com/office/drawing/2014/main" id="{F7253A70-F230-5181-384D-5EA4CC642067}"/>
+          <p:cNvPr id="7" name="Рисунок 6" descr="Изображение выглядит как текст, снимок экрана, Красочность, дизайн&#10;&#10;Автоматически созданное описание">
+            <a:extLst>
+              <a:ext uri="{FF2B5EF4-FFF2-40B4-BE49-F238E27FC236}">
+                <a16:creationId xmlns:a16="http://schemas.microsoft.com/office/drawing/2014/main" id="{4417A504-71D3-6567-0F8A-6AE9140355CD}"/>
               </a:ext>
             </a:extLst>
           </p:cNvPr>
@@ -5066,8 +8925,8 @@
         </p:blipFill>
         <p:spPr>
           <a:xfrm>
-            <a:off x="662867" y="1003176"/>
-            <a:ext cx="10866267" cy="6112275"/>
+            <a:off x="0" y="674703"/>
+            <a:ext cx="12192000" cy="6858000"/>
           </a:xfrm>
           <a:prstGeom prst="rect">
             <a:avLst/>
@@ -5141,7 +9000,7 @@
               <a:rPr lang="ru-RU" dirty="0">
                 <a:latin typeface="Montserrat" panose="00000500000000000000" pitchFamily="2" charset="-52"/>
               </a:rPr>
-              <a:t>Типы шума</a:t>
+              <a:t>Код</a:t>
             </a:r>
           </a:p>
         </p:txBody>
@@ -5215,8 +9074,8 @@
         </p:nvSpPr>
         <p:spPr>
           <a:xfrm>
-            <a:off x="4296792" y="797086"/>
-            <a:ext cx="7895206" cy="461639"/>
+            <a:off x="2166257" y="797086"/>
+            <a:ext cx="10025741" cy="461639"/>
           </a:xfrm>
           <a:prstGeom prst="rect">
             <a:avLst/>
@@ -5274,121 +9133,1152 @@
         </p:nvSpPr>
         <p:spPr>
           <a:xfrm>
-            <a:off x="838200" y="1825625"/>
-            <a:ext cx="9628573" cy="4351338"/>
+            <a:off x="421742" y="1690686"/>
+            <a:ext cx="11348515" cy="5006910"/>
           </a:xfrm>
         </p:spPr>
         <p:txBody>
-          <a:bodyPr>
+          <a:bodyPr anchor="t">
             <a:normAutofit/>
           </a:bodyPr>
           <a:lstStyle/>
           <a:p>
-            <a:pPr marL="0" indent="0">
+            <a:pPr marL="0" indent="0" algn="ctr">
               <a:buNone/>
             </a:pPr>
             <a:r>
-              <a:rPr lang="en-US" sz="4000" dirty="0">
+              <a:rPr lang="ru-RU" sz="3600" dirty="0">
                 <a:latin typeface="Montserrat Light" panose="00000400000000000000" pitchFamily="2" charset="-52"/>
               </a:rPr>
-              <a:t>1. </a:t>
-            </a:r>
-            <a:r>
-              <a:rPr lang="ru-RU" sz="4000" dirty="0">
+              <a:t>Для сохранения изменений фото и одновременного использования нескольких шумов был сделан класс</a:t>
+            </a:r>
+            <a:r>
+              <a:rPr lang="en-US" sz="3600" dirty="0">
                 <a:latin typeface="Montserrat Light" panose="00000400000000000000" pitchFamily="2" charset="-52"/>
               </a:rPr>
-              <a:t>Нормальное распределение</a:t>
-            </a:r>
-            <a:endParaRPr lang="en-US" sz="4000" dirty="0">
-              <a:latin typeface="Montserrat Light" panose="00000400000000000000" pitchFamily="2" charset="-52"/>
-            </a:endParaRPr>
-          </a:p>
-          <a:p>
-            <a:pPr marL="0" indent="0">
-              <a:buNone/>
-            </a:pPr>
-            <a:r>
-              <a:rPr lang="ru-RU" sz="4000" dirty="0">
+              <a:t> </a:t>
+            </a:r>
+            <a:r>
+              <a:rPr lang="en-US" sz="3600" b="1" dirty="0" err="1">
                 <a:latin typeface="Montserrat Light" panose="00000400000000000000" pitchFamily="2" charset="-52"/>
               </a:rPr>
+              <a:t>ChangesList</a:t>
+            </a:r>
+            <a:r>
+              <a:rPr lang="ru-RU" sz="3600" dirty="0">
+                <a:latin typeface="Montserrat Light" panose="00000400000000000000" pitchFamily="2" charset="-52"/>
+              </a:rPr>
+              <a:t>, содержащий список и 4 функции, реализуемые в самом классе</a:t>
+            </a:r>
+          </a:p>
+        </p:txBody>
+      </p:sp>
+    </p:spTree>
+    <p:extLst>
+      <p:ext uri="{BB962C8B-B14F-4D97-AF65-F5344CB8AC3E}">
+        <p14:creationId xmlns:p14="http://schemas.microsoft.com/office/powerpoint/2010/main" val="4083533654"/>
+      </p:ext>
+    </p:extLst>
+  </p:cSld>
+  <p:clrMapOvr>
+    <a:masterClrMapping/>
+  </p:clrMapOvr>
+</p:sld>
+</file>
+
+<file path=ppt/slides/slide8.xml><?xml version="1.0" encoding="utf-8"?>
+<p:sld xmlns:a="http://schemas.openxmlformats.org/drawingml/2006/main" xmlns:r="http://schemas.openxmlformats.org/officeDocument/2006/relationships" xmlns:p="http://schemas.openxmlformats.org/presentationml/2006/main">
+  <p:cSld>
+    <p:bg>
+      <p:bgPr>
+        <a:solidFill>
+          <a:schemeClr val="accent4">
+            <a:lumMod val="20000"/>
+            <a:lumOff val="80000"/>
+            <a:alpha val="30000"/>
+          </a:schemeClr>
+        </a:solidFill>
+        <a:effectLst/>
+      </p:bgPr>
+    </p:bg>
+    <p:spTree>
+      <p:nvGrpSpPr>
+        <p:cNvPr id="1" name=""/>
+        <p:cNvGrpSpPr/>
+        <p:nvPr/>
+      </p:nvGrpSpPr>
+      <p:grpSpPr>
+        <a:xfrm>
+          <a:off x="0" y="0"/>
+          <a:ext cx="0" cy="0"/>
+          <a:chOff x="0" y="0"/>
+          <a:chExt cx="0" cy="0"/>
+        </a:xfrm>
+      </p:grpSpPr>
+      <p:sp>
+        <p:nvSpPr>
+          <p:cNvPr id="2" name="Заголовок 1">
+            <a:extLst>
+              <a:ext uri="{FF2B5EF4-FFF2-40B4-BE49-F238E27FC236}">
+                <a16:creationId xmlns:a16="http://schemas.microsoft.com/office/drawing/2014/main" id="{427CC174-0D2E-D9D8-FED7-5A47DDFB9D1F}"/>
+              </a:ext>
+            </a:extLst>
+          </p:cNvPr>
+          <p:cNvSpPr>
+            <a:spLocks noGrp="1"/>
+          </p:cNvSpPr>
+          <p:nvPr>
+            <p:ph type="title"/>
+          </p:nvPr>
+        </p:nvSpPr>
+        <p:spPr/>
+        <p:txBody>
+          <a:bodyPr/>
+          <a:lstStyle/>
+          <a:p>
+            <a:r>
+              <a:rPr lang="ru-RU" dirty="0">
+                <a:latin typeface="Montserrat" panose="00000500000000000000" pitchFamily="2" charset="-52"/>
+              </a:rPr>
+              <a:t>Код</a:t>
+            </a:r>
+          </a:p>
+        </p:txBody>
+      </p:sp>
+      <p:sp>
+        <p:nvSpPr>
+          <p:cNvPr id="5" name="Прямоугольник 4">
+            <a:extLst>
+              <a:ext uri="{FF2B5EF4-FFF2-40B4-BE49-F238E27FC236}">
+                <a16:creationId xmlns:a16="http://schemas.microsoft.com/office/drawing/2014/main" id="{0403912F-8CD5-EA52-4B22-CBA7ECD5EA8E}"/>
+              </a:ext>
+            </a:extLst>
+          </p:cNvPr>
+          <p:cNvSpPr/>
+          <p:nvPr/>
+        </p:nvSpPr>
+        <p:spPr>
+          <a:xfrm>
+            <a:off x="1" y="772357"/>
+            <a:ext cx="838200" cy="461639"/>
+          </a:xfrm>
+          <a:prstGeom prst="rect">
+            <a:avLst/>
+          </a:prstGeom>
+          <a:solidFill>
+            <a:schemeClr val="accent2">
+              <a:lumMod val="20000"/>
+              <a:lumOff val="80000"/>
+            </a:schemeClr>
+          </a:solidFill>
+          <a:ln>
+            <a:noFill/>
+          </a:ln>
+        </p:spPr>
+        <p:style>
+          <a:lnRef idx="2">
+            <a:schemeClr val="accent1">
+              <a:shade val="50000"/>
+            </a:schemeClr>
+          </a:lnRef>
+          <a:fillRef idx="1">
+            <a:schemeClr val="accent1"/>
+          </a:fillRef>
+          <a:effectRef idx="0">
+            <a:schemeClr val="accent1"/>
+          </a:effectRef>
+          <a:fontRef idx="minor">
+            <a:schemeClr val="lt1"/>
+          </a:fontRef>
+        </p:style>
+        <p:txBody>
+          <a:bodyPr rtlCol="0" anchor="ctr"/>
+          <a:lstStyle/>
+          <a:p>
+            <a:pPr algn="ctr"/>
+            <a:endParaRPr lang="ru-RU"/>
+          </a:p>
+        </p:txBody>
+      </p:sp>
+      <p:sp>
+        <p:nvSpPr>
+          <p:cNvPr id="6" name="Прямоугольник 5">
+            <a:extLst>
+              <a:ext uri="{FF2B5EF4-FFF2-40B4-BE49-F238E27FC236}">
+                <a16:creationId xmlns:a16="http://schemas.microsoft.com/office/drawing/2014/main" id="{F5DCBE3F-D532-C58A-A17E-F18EE4FA97E9}"/>
+              </a:ext>
+            </a:extLst>
+          </p:cNvPr>
+          <p:cNvSpPr/>
+          <p:nvPr/>
+        </p:nvSpPr>
+        <p:spPr>
+          <a:xfrm>
+            <a:off x="2166257" y="797086"/>
+            <a:ext cx="10025741" cy="461639"/>
+          </a:xfrm>
+          <a:prstGeom prst="rect">
+            <a:avLst/>
+          </a:prstGeom>
+          <a:solidFill>
+            <a:schemeClr val="accent2">
+              <a:lumMod val="20000"/>
+              <a:lumOff val="80000"/>
+            </a:schemeClr>
+          </a:solidFill>
+          <a:ln>
+            <a:noFill/>
+          </a:ln>
+        </p:spPr>
+        <p:style>
+          <a:lnRef idx="2">
+            <a:schemeClr val="accent1">
+              <a:shade val="50000"/>
+            </a:schemeClr>
+          </a:lnRef>
+          <a:fillRef idx="1">
+            <a:schemeClr val="accent1"/>
+          </a:fillRef>
+          <a:effectRef idx="0">
+            <a:schemeClr val="accent1"/>
+          </a:effectRef>
+          <a:fontRef idx="minor">
+            <a:schemeClr val="lt1"/>
+          </a:fontRef>
+        </p:style>
+        <p:txBody>
+          <a:bodyPr rtlCol="0" anchor="ctr"/>
+          <a:lstStyle/>
+          <a:p>
+            <a:pPr algn="ctr"/>
+            <a:endParaRPr lang="ru-RU"/>
+          </a:p>
+        </p:txBody>
+      </p:sp>
+      <p:sp>
+        <p:nvSpPr>
+          <p:cNvPr id="3" name="Прямоугольник 2">
+            <a:extLst>
+              <a:ext uri="{FF2B5EF4-FFF2-40B4-BE49-F238E27FC236}">
+                <a16:creationId xmlns:a16="http://schemas.microsoft.com/office/drawing/2014/main" id="{BE04F6F8-B7BF-41B7-4787-E1C09C148AA5}"/>
+              </a:ext>
+            </a:extLst>
+          </p:cNvPr>
+          <p:cNvSpPr/>
+          <p:nvPr/>
+        </p:nvSpPr>
+        <p:spPr>
+          <a:xfrm>
+            <a:off x="261257" y="1589314"/>
+            <a:ext cx="11647714" cy="4996543"/>
+          </a:xfrm>
+          <a:prstGeom prst="rect">
+            <a:avLst/>
+          </a:prstGeom>
+          <a:solidFill>
+            <a:schemeClr val="tx1">
+              <a:lumMod val="85000"/>
+              <a:lumOff val="15000"/>
+            </a:schemeClr>
+          </a:solidFill>
+          <a:ln>
+            <a:noFill/>
+          </a:ln>
+        </p:spPr>
+        <p:style>
+          <a:lnRef idx="2">
+            <a:schemeClr val="accent1">
+              <a:shade val="15000"/>
+            </a:schemeClr>
+          </a:lnRef>
+          <a:fillRef idx="1">
+            <a:schemeClr val="accent1"/>
+          </a:fillRef>
+          <a:effectRef idx="0">
+            <a:schemeClr val="accent1"/>
+          </a:effectRef>
+          <a:fontRef idx="minor">
+            <a:schemeClr val="lt1"/>
+          </a:fontRef>
+        </p:style>
+        <p:txBody>
+          <a:bodyPr numCol="2" rtlCol="0" anchor="ctr"/>
+          <a:lstStyle/>
+          <a:p>
+            <a:r>
+              <a:rPr lang="en" sz="1600" dirty="0">
+                <a:solidFill>
+                  <a:srgbClr val="FFC000"/>
+                </a:solidFill>
+              </a:rPr>
+              <a:t>class</a:t>
+            </a:r>
+            <a:r>
+              <a:rPr lang="en" sz="1600" dirty="0"/>
+              <a:t> </a:t>
+            </a:r>
+            <a:r>
+              <a:rPr lang="en" sz="1600" dirty="0" err="1"/>
+              <a:t>ChangesList</a:t>
+            </a:r>
+            <a:r>
+              <a:rPr lang="en" sz="1600" dirty="0"/>
+              <a:t>:</a:t>
+            </a:r>
+          </a:p>
+          <a:p>
+            <a:r>
+              <a:rPr lang="en" sz="1600" dirty="0"/>
+              <a:t>    </a:t>
+            </a:r>
+            <a:r>
+              <a:rPr lang="en" sz="1600" dirty="0" err="1"/>
+              <a:t>changes_list</a:t>
+            </a:r>
+            <a:r>
+              <a:rPr lang="en" sz="1600" dirty="0"/>
+              <a:t> = []</a:t>
+            </a:r>
+          </a:p>
+          <a:p>
+            <a:r>
+              <a:rPr lang="ru-RU" sz="1600" dirty="0"/>
+              <a:t>		</a:t>
+            </a:r>
+            <a:endParaRPr lang="en" sz="1600" dirty="0"/>
+          </a:p>
+          <a:p>
+            <a:r>
+              <a:rPr lang="en" sz="1600" dirty="0"/>
+              <a:t>    </a:t>
+            </a:r>
+            <a:r>
+              <a:rPr lang="en" sz="1600" dirty="0">
+                <a:solidFill>
+                  <a:srgbClr val="FFC000"/>
+                </a:solidFill>
+              </a:rPr>
+              <a:t>def</a:t>
+            </a:r>
+            <a:r>
+              <a:rPr lang="en" sz="1600" dirty="0"/>
+              <a:t> </a:t>
+            </a:r>
+            <a:r>
+              <a:rPr lang="en" sz="1600" dirty="0" err="1">
+                <a:solidFill>
+                  <a:srgbClr val="D883FF"/>
+                </a:solidFill>
+              </a:rPr>
+              <a:t>add_algorithm</a:t>
+            </a:r>
+            <a:r>
+              <a:rPr lang="en" sz="1600" dirty="0"/>
               <a:t>(</a:t>
             </a:r>
             <a:r>
-              <a:rPr lang="en-US" sz="4000" dirty="0">
-                <a:latin typeface="Montserrat Light" panose="00000400000000000000" pitchFamily="2" charset="-52"/>
-              </a:rPr>
-              <a:t>Normal Distribution</a:t>
-            </a:r>
-            <a:r>
-              <a:rPr lang="ru-RU" sz="4000" dirty="0">
-                <a:latin typeface="Montserrat Light" panose="00000400000000000000" pitchFamily="2" charset="-52"/>
-              </a:rPr>
-              <a:t>)</a:t>
-            </a:r>
-          </a:p>
-          <a:p>
-            <a:pPr marL="0" indent="0">
-              <a:buNone/>
-            </a:pPr>
-            <a:r>
-              <a:rPr lang="en-US" sz="4000" dirty="0">
-                <a:latin typeface="Montserrat Light" panose="00000400000000000000" pitchFamily="2" charset="-52"/>
-              </a:rPr>
-              <a:t>2. </a:t>
-            </a:r>
-            <a:r>
-              <a:rPr lang="ru-RU" sz="4000" dirty="0">
-                <a:latin typeface="Montserrat Light" panose="00000400000000000000" pitchFamily="2" charset="-52"/>
-              </a:rPr>
-              <a:t>Шум гаусса</a:t>
-            </a:r>
-            <a:r>
-              <a:rPr lang="en-US" sz="4000" dirty="0">
-                <a:latin typeface="Montserrat Light" panose="00000400000000000000" pitchFamily="2" charset="-52"/>
-              </a:rPr>
-              <a:t> (</a:t>
-            </a:r>
-            <a:r>
-              <a:rPr lang="en-US" sz="4000" dirty="0" err="1">
-                <a:latin typeface="Montserrat Light" panose="00000400000000000000" pitchFamily="2" charset="-52"/>
-              </a:rPr>
-              <a:t>Gaussan</a:t>
-            </a:r>
-            <a:r>
-              <a:rPr lang="en-US" sz="4000" dirty="0">
-                <a:latin typeface="Montserrat Light" panose="00000400000000000000" pitchFamily="2" charset="-52"/>
-              </a:rPr>
-              <a:t>)</a:t>
-            </a:r>
-            <a:endParaRPr lang="ru-RU" sz="4000" dirty="0">
-              <a:latin typeface="Montserrat Light" panose="00000400000000000000" pitchFamily="2" charset="-52"/>
-            </a:endParaRPr>
-          </a:p>
-          <a:p>
-            <a:pPr marL="0" indent="0">
-              <a:buNone/>
-            </a:pPr>
-            <a:r>
-              <a:rPr lang="en-US" sz="4000" dirty="0">
-                <a:latin typeface="Montserrat Light" panose="00000400000000000000" pitchFamily="2" charset="-52"/>
-              </a:rPr>
-              <a:t>3. </a:t>
-            </a:r>
-            <a:r>
-              <a:rPr lang="ru-RU" sz="4000" dirty="0">
-                <a:latin typeface="Montserrat Light" panose="00000400000000000000" pitchFamily="2" charset="-52"/>
-              </a:rPr>
-              <a:t>Соль и перец</a:t>
-            </a:r>
-            <a:r>
-              <a:rPr lang="en-US" sz="4000" dirty="0">
-                <a:latin typeface="Montserrat Light" panose="00000400000000000000" pitchFamily="2" charset="-52"/>
-              </a:rPr>
-              <a:t> (Salt &amp; Pepper)</a:t>
-            </a:r>
-            <a:endParaRPr lang="ru-RU" sz="4000" dirty="0">
-              <a:latin typeface="Montserrat Light" panose="00000400000000000000" pitchFamily="2" charset="-52"/>
-            </a:endParaRPr>
+              <a:rPr lang="en" sz="1600" dirty="0">
+                <a:solidFill>
+                  <a:srgbClr val="7030A0"/>
+                </a:solidFill>
+              </a:rPr>
+              <a:t>self</a:t>
+            </a:r>
+            <a:r>
+              <a:rPr lang="en" sz="1600" dirty="0"/>
+              <a:t>, </a:t>
+            </a:r>
+            <a:r>
+              <a:rPr lang="en" sz="1600" dirty="0" err="1"/>
+              <a:t>alg_name</a:t>
+            </a:r>
+            <a:r>
+              <a:rPr lang="en" sz="1600" dirty="0"/>
+              <a:t>, option1, option2, image):</a:t>
+            </a:r>
+          </a:p>
+          <a:p>
+            <a:r>
+              <a:rPr lang="en" sz="1600" dirty="0"/>
+              <a:t>        </a:t>
+            </a:r>
+            <a:r>
+              <a:rPr lang="en" sz="1600" dirty="0">
+                <a:solidFill>
+                  <a:srgbClr val="FFC000"/>
+                </a:solidFill>
+              </a:rPr>
+              <a:t>if</a:t>
+            </a:r>
+            <a:r>
+              <a:rPr lang="en" sz="1600" dirty="0"/>
+              <a:t> option1 == 0 </a:t>
+            </a:r>
+            <a:r>
+              <a:rPr lang="en" sz="1600" dirty="0">
+                <a:solidFill>
+                  <a:srgbClr val="FFC000"/>
+                </a:solidFill>
+              </a:rPr>
+              <a:t>and</a:t>
+            </a:r>
+            <a:r>
+              <a:rPr lang="en" sz="1600" dirty="0"/>
+              <a:t> option2 == 0 </a:t>
+            </a:r>
+            <a:r>
+              <a:rPr lang="en" sz="1600" dirty="0">
+                <a:solidFill>
+                  <a:srgbClr val="FFC000"/>
+                </a:solidFill>
+              </a:rPr>
+              <a:t>and</a:t>
+            </a:r>
+            <a:r>
+              <a:rPr lang="en" sz="1600" dirty="0"/>
+              <a:t> </a:t>
+            </a:r>
+            <a:r>
+              <a:rPr lang="en" sz="1600" dirty="0" err="1"/>
+              <a:t>alg_name</a:t>
+            </a:r>
+            <a:r>
+              <a:rPr lang="en" sz="1600" dirty="0"/>
+              <a:t> != "shuffle":</a:t>
+            </a:r>
+          </a:p>
+          <a:p>
+            <a:r>
+              <a:rPr lang="en" sz="1600" dirty="0"/>
+              <a:t>            </a:t>
+            </a:r>
+            <a:r>
+              <a:rPr lang="en" sz="1600" dirty="0">
+                <a:solidFill>
+                  <a:srgbClr val="FFC000"/>
+                </a:solidFill>
+              </a:rPr>
+              <a:t>return</a:t>
+            </a:r>
+          </a:p>
+          <a:p>
+            <a:r>
+              <a:rPr lang="en" sz="1600" dirty="0"/>
+              <a:t>        </a:t>
+            </a:r>
+            <a:r>
+              <a:rPr lang="en" sz="1600" dirty="0">
+                <a:solidFill>
+                  <a:srgbClr val="FFC000"/>
+                </a:solidFill>
+              </a:rPr>
+              <a:t>for</a:t>
+            </a:r>
+            <a:r>
+              <a:rPr lang="en" sz="1600" dirty="0"/>
+              <a:t> item </a:t>
+            </a:r>
+            <a:r>
+              <a:rPr lang="en" sz="1600" dirty="0">
+                <a:solidFill>
+                  <a:srgbClr val="FFC000"/>
+                </a:solidFill>
+              </a:rPr>
+              <a:t>in</a:t>
+            </a:r>
+            <a:r>
+              <a:rPr lang="en" sz="1600" dirty="0"/>
+              <a:t> </a:t>
+            </a:r>
+            <a:r>
+              <a:rPr lang="en" sz="1600" dirty="0" err="1">
+                <a:solidFill>
+                  <a:srgbClr val="7030A0"/>
+                </a:solidFill>
+              </a:rPr>
+              <a:t>self</a:t>
+            </a:r>
+            <a:r>
+              <a:rPr lang="en" sz="1600" dirty="0" err="1"/>
+              <a:t>.changes_list</a:t>
+            </a:r>
+            <a:r>
+              <a:rPr lang="en" sz="1600" dirty="0"/>
+              <a:t>:</a:t>
+            </a:r>
+          </a:p>
+          <a:p>
+            <a:r>
+              <a:rPr lang="en" sz="1600" dirty="0"/>
+              <a:t>            if item[0] == </a:t>
+            </a:r>
+            <a:r>
+              <a:rPr lang="en" sz="1600" dirty="0" err="1"/>
+              <a:t>alg_name</a:t>
+            </a:r>
+            <a:r>
+              <a:rPr lang="en" sz="1600" dirty="0"/>
+              <a:t>:</a:t>
+            </a:r>
+          </a:p>
+          <a:p>
+            <a:r>
+              <a:rPr lang="en" sz="1600" dirty="0"/>
+              <a:t>                </a:t>
+            </a:r>
+            <a:r>
+              <a:rPr lang="en" sz="1600" dirty="0" err="1">
+                <a:solidFill>
+                  <a:srgbClr val="7030A0"/>
+                </a:solidFill>
+              </a:rPr>
+              <a:t>self</a:t>
+            </a:r>
+            <a:r>
+              <a:rPr lang="en" sz="1600" dirty="0" err="1"/>
+              <a:t>.changes_list.remove</a:t>
+            </a:r>
+            <a:r>
+              <a:rPr lang="en" sz="1600" dirty="0"/>
+              <a:t>(item)</a:t>
+            </a:r>
+          </a:p>
+          <a:p>
+            <a:r>
+              <a:rPr lang="en" sz="1600" dirty="0"/>
+              <a:t>        </a:t>
+            </a:r>
+            <a:r>
+              <a:rPr lang="en" sz="1600" dirty="0" err="1">
+                <a:solidFill>
+                  <a:srgbClr val="7030A0"/>
+                </a:solidFill>
+              </a:rPr>
+              <a:t>self</a:t>
+            </a:r>
+            <a:r>
+              <a:rPr lang="en" sz="1600" dirty="0" err="1"/>
+              <a:t>.changes_list.append</a:t>
+            </a:r>
+            <a:r>
+              <a:rPr lang="en" sz="1600" dirty="0"/>
+              <a:t>([</a:t>
+            </a:r>
+            <a:r>
+              <a:rPr lang="en" sz="1600" dirty="0" err="1"/>
+              <a:t>alg_name</a:t>
+            </a:r>
+            <a:r>
+              <a:rPr lang="en" sz="1600" dirty="0"/>
+              <a:t>, option1, option2, image])</a:t>
+            </a:r>
+          </a:p>
+          <a:p>
+            <a:endParaRPr lang="en" sz="1600" dirty="0"/>
+          </a:p>
+          <a:p>
+            <a:r>
+              <a:rPr lang="en" sz="1600" dirty="0"/>
+              <a:t>    </a:t>
+            </a:r>
+            <a:r>
+              <a:rPr lang="en" sz="1600" dirty="0">
+                <a:solidFill>
+                  <a:srgbClr val="FFC000"/>
+                </a:solidFill>
+              </a:rPr>
+              <a:t>def</a:t>
+            </a:r>
+            <a:r>
+              <a:rPr lang="en" sz="1600" dirty="0"/>
+              <a:t> </a:t>
+            </a:r>
+            <a:r>
+              <a:rPr lang="en" sz="1600" dirty="0" err="1">
+                <a:solidFill>
+                  <a:srgbClr val="D883FF"/>
+                </a:solidFill>
+              </a:rPr>
+              <a:t>get_last_image</a:t>
+            </a:r>
+            <a:r>
+              <a:rPr lang="en" sz="1600" dirty="0"/>
+              <a:t>(self):</a:t>
+            </a:r>
+          </a:p>
+          <a:p>
+            <a:r>
+              <a:rPr lang="en" sz="1600" dirty="0"/>
+              <a:t>        </a:t>
+            </a:r>
+            <a:r>
+              <a:rPr lang="en" sz="1600" dirty="0">
+                <a:solidFill>
+                  <a:srgbClr val="FFC000"/>
+                </a:solidFill>
+              </a:rPr>
+              <a:t>if</a:t>
+            </a:r>
+            <a:r>
+              <a:rPr lang="en" sz="1600" dirty="0"/>
+              <a:t> </a:t>
+            </a:r>
+            <a:r>
+              <a:rPr lang="en" sz="1600" dirty="0" err="1"/>
+              <a:t>len</a:t>
+            </a:r>
+            <a:r>
+              <a:rPr lang="en" sz="1600" dirty="0"/>
+              <a:t>(</a:t>
+            </a:r>
+            <a:r>
+              <a:rPr lang="en" sz="1600" dirty="0" err="1">
+                <a:solidFill>
+                  <a:srgbClr val="7030A0"/>
+                </a:solidFill>
+              </a:rPr>
+              <a:t>self</a:t>
+            </a:r>
+            <a:r>
+              <a:rPr lang="en" sz="1600" dirty="0" err="1"/>
+              <a:t>.changes_list</a:t>
+            </a:r>
+            <a:r>
+              <a:rPr lang="en" sz="1600" dirty="0"/>
+              <a:t>)==0:</a:t>
+            </a:r>
+          </a:p>
+          <a:p>
+            <a:r>
+              <a:rPr lang="en" sz="1600" dirty="0"/>
+              <a:t>            </a:t>
+            </a:r>
+            <a:r>
+              <a:rPr lang="en" sz="1600" dirty="0">
+                <a:solidFill>
+                  <a:srgbClr val="FFC000"/>
+                </a:solidFill>
+              </a:rPr>
+              <a:t>return</a:t>
+            </a:r>
+          </a:p>
+          <a:p>
+            <a:endParaRPr lang="en" sz="1600" dirty="0"/>
+          </a:p>
+          <a:p>
+            <a:r>
+              <a:rPr lang="en" sz="1600" dirty="0"/>
+              <a:t>        </a:t>
+            </a:r>
+            <a:r>
+              <a:rPr lang="en" sz="1600" dirty="0" err="1"/>
+              <a:t>original_image</a:t>
+            </a:r>
+            <a:r>
+              <a:rPr lang="en" sz="1600" dirty="0"/>
+              <a:t> = </a:t>
+            </a:r>
+            <a:r>
+              <a:rPr lang="en" sz="1600" dirty="0" err="1"/>
+              <a:t>self.changes_list</a:t>
+            </a:r>
+            <a:r>
+              <a:rPr lang="en" sz="1600" dirty="0"/>
+              <a:t>[0][3]</a:t>
+            </a:r>
+          </a:p>
+          <a:p>
+            <a:r>
+              <a:rPr lang="en" sz="1600" dirty="0"/>
+              <a:t>        </a:t>
+            </a:r>
+            <a:r>
+              <a:rPr lang="en" sz="1600" dirty="0">
+                <a:solidFill>
+                  <a:srgbClr val="FFC000"/>
+                </a:solidFill>
+              </a:rPr>
+              <a:t>for</a:t>
+            </a:r>
+            <a:r>
+              <a:rPr lang="en" sz="1600" dirty="0"/>
+              <a:t> item </a:t>
+            </a:r>
+            <a:r>
+              <a:rPr lang="en" sz="1600" dirty="0">
+                <a:solidFill>
+                  <a:srgbClr val="FFC000"/>
+                </a:solidFill>
+              </a:rPr>
+              <a:t>in</a:t>
+            </a:r>
+            <a:r>
+              <a:rPr lang="en" sz="1600" dirty="0"/>
+              <a:t> </a:t>
+            </a:r>
+            <a:r>
+              <a:rPr lang="en" sz="1600" dirty="0" err="1">
+                <a:solidFill>
+                  <a:srgbClr val="7030A0"/>
+                </a:solidFill>
+              </a:rPr>
+              <a:t>self</a:t>
+            </a:r>
+            <a:r>
+              <a:rPr lang="en" sz="1600" dirty="0" err="1"/>
+              <a:t>.changes_list</a:t>
+            </a:r>
+            <a:r>
+              <a:rPr lang="en" sz="1600" dirty="0"/>
+              <a:t>:</a:t>
+            </a:r>
+          </a:p>
+          <a:p>
+            <a:r>
+              <a:rPr lang="en" sz="1600" dirty="0"/>
+              <a:t>            </a:t>
+            </a:r>
+            <a:r>
+              <a:rPr lang="en" sz="1600" dirty="0">
+                <a:solidFill>
+                  <a:srgbClr val="FFC000"/>
+                </a:solidFill>
+              </a:rPr>
+              <a:t>if</a:t>
+            </a:r>
+            <a:r>
+              <a:rPr lang="en" sz="1600" dirty="0"/>
+              <a:t> item[0] == "alg1":</a:t>
+            </a:r>
+          </a:p>
+          <a:p>
+            <a:r>
+              <a:rPr lang="en" sz="1600" dirty="0"/>
+              <a:t>                </a:t>
+            </a:r>
+            <a:r>
+              <a:rPr lang="en" sz="1600" dirty="0" err="1"/>
+              <a:t>original_image</a:t>
+            </a:r>
+            <a:r>
+              <a:rPr lang="en" sz="1600" dirty="0"/>
+              <a:t> = algorithm1(</a:t>
+            </a:r>
+            <a:r>
+              <a:rPr lang="en" sz="1600" dirty="0" err="1"/>
+              <a:t>original_image</a:t>
+            </a:r>
+            <a:r>
+              <a:rPr lang="en" sz="1600" dirty="0"/>
+              <a:t>, item[1], </a:t>
+            </a:r>
+            <a:r>
+              <a:rPr lang="ru-RU" sz="1600" dirty="0"/>
+              <a:t>					</a:t>
+            </a:r>
+            <a:r>
+              <a:rPr lang="en" sz="1600" dirty="0"/>
+              <a:t>item[2])</a:t>
+            </a:r>
+          </a:p>
+          <a:p>
+            <a:r>
+              <a:rPr lang="en" sz="1600" dirty="0"/>
+              <a:t>            </a:t>
+            </a:r>
+            <a:r>
+              <a:rPr lang="en" sz="1600" dirty="0">
+                <a:solidFill>
+                  <a:srgbClr val="FFC000"/>
+                </a:solidFill>
+              </a:rPr>
+              <a:t>if</a:t>
+            </a:r>
+            <a:r>
+              <a:rPr lang="en" sz="1600" dirty="0"/>
+              <a:t> item[0] == "alg2":</a:t>
+            </a:r>
+          </a:p>
+          <a:p>
+            <a:r>
+              <a:rPr lang="en" sz="1600" dirty="0"/>
+              <a:t>                </a:t>
+            </a:r>
+            <a:r>
+              <a:rPr lang="en" sz="1600" dirty="0" err="1"/>
+              <a:t>original_image</a:t>
+            </a:r>
+            <a:r>
+              <a:rPr lang="en" sz="1600" dirty="0"/>
+              <a:t> = algorithm2(</a:t>
+            </a:r>
+            <a:r>
+              <a:rPr lang="en" sz="1600" dirty="0" err="1"/>
+              <a:t>original_image</a:t>
+            </a:r>
+            <a:r>
+              <a:rPr lang="en" sz="1600" dirty="0"/>
+              <a:t>, item[1], </a:t>
+            </a:r>
+            <a:r>
+              <a:rPr lang="ru-RU" sz="1600" dirty="0"/>
+              <a:t>					</a:t>
+            </a:r>
+            <a:r>
+              <a:rPr lang="en" sz="1600" dirty="0"/>
+              <a:t>item[2])</a:t>
+            </a:r>
+          </a:p>
+          <a:p>
+            <a:r>
+              <a:rPr lang="en" sz="1600" dirty="0"/>
+              <a:t>            </a:t>
+            </a:r>
+            <a:r>
+              <a:rPr lang="en" sz="1600" dirty="0">
+                <a:solidFill>
+                  <a:srgbClr val="FFC000"/>
+                </a:solidFill>
+              </a:rPr>
+              <a:t>if</a:t>
+            </a:r>
+            <a:r>
+              <a:rPr lang="en" sz="1600" dirty="0"/>
+              <a:t> item[0] == "alg3":</a:t>
+            </a:r>
+          </a:p>
+          <a:p>
+            <a:r>
+              <a:rPr lang="en" sz="1600" dirty="0"/>
+              <a:t>                </a:t>
+            </a:r>
+            <a:r>
+              <a:rPr lang="en" sz="1600" dirty="0" err="1"/>
+              <a:t>original_image</a:t>
+            </a:r>
+            <a:r>
+              <a:rPr lang="en" sz="1600" dirty="0"/>
+              <a:t> = algorithm3(</a:t>
+            </a:r>
+            <a:r>
+              <a:rPr lang="en" sz="1600" dirty="0" err="1"/>
+              <a:t>original_image</a:t>
+            </a:r>
+            <a:r>
+              <a:rPr lang="en" sz="1600" dirty="0"/>
+              <a:t>, item[1], </a:t>
+            </a:r>
+            <a:r>
+              <a:rPr lang="ru-RU" sz="1600" dirty="0"/>
+              <a:t>					</a:t>
+            </a:r>
+            <a:r>
+              <a:rPr lang="en" sz="1600" dirty="0"/>
+              <a:t>item[2])</a:t>
+            </a:r>
+          </a:p>
+          <a:p>
+            <a:r>
+              <a:rPr lang="en" sz="1600" dirty="0"/>
+              <a:t>            </a:t>
+            </a:r>
+            <a:r>
+              <a:rPr lang="en" sz="1600" dirty="0">
+                <a:solidFill>
+                  <a:srgbClr val="FFC000"/>
+                </a:solidFill>
+              </a:rPr>
+              <a:t>if</a:t>
+            </a:r>
+            <a:r>
+              <a:rPr lang="en" sz="1600" dirty="0"/>
+              <a:t> item[0] == "shuffle":</a:t>
+            </a:r>
+          </a:p>
+          <a:p>
+            <a:r>
+              <a:rPr lang="en" sz="1600" dirty="0"/>
+              <a:t>                </a:t>
+            </a:r>
+            <a:r>
+              <a:rPr lang="en" sz="1600" dirty="0" err="1"/>
+              <a:t>original_image</a:t>
+            </a:r>
+            <a:r>
+              <a:rPr lang="en" sz="1600" dirty="0"/>
+              <a:t> = </a:t>
+            </a:r>
+            <a:r>
+              <a:rPr lang="en" sz="1600" dirty="0" err="1"/>
+              <a:t>channel_shuffle</a:t>
+            </a:r>
+            <a:r>
+              <a:rPr lang="en" sz="1600" dirty="0"/>
+              <a:t>(</a:t>
+            </a:r>
+            <a:r>
+              <a:rPr lang="en" sz="1600" dirty="0" err="1"/>
+              <a:t>original_image</a:t>
+            </a:r>
+            <a:r>
+              <a:rPr lang="en" sz="1600" dirty="0"/>
+              <a:t>, item[1])</a:t>
+            </a:r>
+          </a:p>
+          <a:p>
+            <a:r>
+              <a:rPr lang="en" sz="1600" dirty="0"/>
+              <a:t>        </a:t>
+            </a:r>
+            <a:r>
+              <a:rPr lang="en" sz="1600" dirty="0">
+                <a:solidFill>
+                  <a:srgbClr val="FFC000"/>
+                </a:solidFill>
+              </a:rPr>
+              <a:t>return</a:t>
+            </a:r>
+            <a:r>
+              <a:rPr lang="en" sz="1600" dirty="0"/>
+              <a:t> </a:t>
+            </a:r>
+            <a:r>
+              <a:rPr lang="en" sz="1600" dirty="0" err="1"/>
+              <a:t>original_image</a:t>
+            </a:r>
+            <a:endParaRPr lang="en" sz="1600" dirty="0"/>
+          </a:p>
+          <a:p>
+            <a:endParaRPr lang="en" sz="1600" dirty="0"/>
+          </a:p>
+          <a:p>
+            <a:r>
+              <a:rPr lang="en" sz="1600" dirty="0"/>
+              <a:t>    </a:t>
+            </a:r>
+            <a:r>
+              <a:rPr lang="en" sz="1600" dirty="0">
+                <a:solidFill>
+                  <a:srgbClr val="FFC000"/>
+                </a:solidFill>
+              </a:rPr>
+              <a:t>def</a:t>
+            </a:r>
+            <a:r>
+              <a:rPr lang="en" sz="1600" dirty="0"/>
+              <a:t> </a:t>
+            </a:r>
+            <a:r>
+              <a:rPr lang="en" sz="1600" dirty="0" err="1">
+                <a:solidFill>
+                  <a:srgbClr val="D883FF"/>
+                </a:solidFill>
+              </a:rPr>
+              <a:t>alg_last_option</a:t>
+            </a:r>
+            <a:r>
+              <a:rPr lang="en" sz="1600" dirty="0"/>
+              <a:t>(</a:t>
+            </a:r>
+            <a:r>
+              <a:rPr lang="en" sz="1600" dirty="0">
+                <a:solidFill>
+                  <a:srgbClr val="7030A0"/>
+                </a:solidFill>
+              </a:rPr>
+              <a:t>self</a:t>
+            </a:r>
+            <a:r>
+              <a:rPr lang="en" sz="1600" dirty="0"/>
+              <a:t>, </a:t>
+            </a:r>
+            <a:r>
+              <a:rPr lang="en" sz="1600" dirty="0" err="1"/>
+              <a:t>alg_name</a:t>
+            </a:r>
+            <a:r>
+              <a:rPr lang="en" sz="1600" dirty="0"/>
+              <a:t>):</a:t>
+            </a:r>
+          </a:p>
+          <a:p>
+            <a:r>
+              <a:rPr lang="en" sz="1600" dirty="0"/>
+              <a:t>        </a:t>
+            </a:r>
+            <a:r>
+              <a:rPr lang="en" sz="1600" dirty="0">
+                <a:solidFill>
+                  <a:srgbClr val="FFC000"/>
+                </a:solidFill>
+              </a:rPr>
+              <a:t>for</a:t>
+            </a:r>
+            <a:r>
+              <a:rPr lang="en" sz="1600" dirty="0"/>
+              <a:t> item </a:t>
+            </a:r>
+            <a:r>
+              <a:rPr lang="en" sz="1600" dirty="0">
+                <a:solidFill>
+                  <a:srgbClr val="FFC000"/>
+                </a:solidFill>
+              </a:rPr>
+              <a:t>in</a:t>
+            </a:r>
+            <a:r>
+              <a:rPr lang="en" sz="1600" dirty="0"/>
+              <a:t> </a:t>
+            </a:r>
+            <a:r>
+              <a:rPr lang="en" sz="1600" dirty="0" err="1">
+                <a:solidFill>
+                  <a:srgbClr val="7030A0"/>
+                </a:solidFill>
+              </a:rPr>
+              <a:t>self</a:t>
+            </a:r>
+            <a:r>
+              <a:rPr lang="en" sz="1600" dirty="0" err="1"/>
+              <a:t>.changes_list</a:t>
+            </a:r>
+            <a:r>
+              <a:rPr lang="en" sz="1600" dirty="0"/>
+              <a:t>:</a:t>
+            </a:r>
+          </a:p>
+          <a:p>
+            <a:r>
+              <a:rPr lang="en" sz="1600" dirty="0"/>
+              <a:t>            </a:t>
+            </a:r>
+            <a:r>
+              <a:rPr lang="en" sz="1600" dirty="0">
+                <a:solidFill>
+                  <a:srgbClr val="FFC000"/>
+                </a:solidFill>
+              </a:rPr>
+              <a:t>if</a:t>
+            </a:r>
+            <a:r>
+              <a:rPr lang="en" sz="1600" dirty="0"/>
+              <a:t> item[0] == </a:t>
+            </a:r>
+            <a:r>
+              <a:rPr lang="en" sz="1600" dirty="0" err="1"/>
+              <a:t>alg_name</a:t>
+            </a:r>
+            <a:r>
+              <a:rPr lang="en" sz="1600" dirty="0"/>
+              <a:t>:</a:t>
+            </a:r>
+          </a:p>
+          <a:p>
+            <a:r>
+              <a:rPr lang="en" sz="1600" dirty="0"/>
+              <a:t>                return [item[1], item[2]]</a:t>
+            </a:r>
+          </a:p>
+          <a:p>
+            <a:r>
+              <a:rPr lang="en" sz="1600" dirty="0"/>
+              <a:t>        </a:t>
+            </a:r>
+            <a:r>
+              <a:rPr lang="en" sz="1600" dirty="0">
+                <a:solidFill>
+                  <a:srgbClr val="FFC000"/>
+                </a:solidFill>
+              </a:rPr>
+              <a:t>return</a:t>
+            </a:r>
+            <a:r>
+              <a:rPr lang="en" sz="1600" dirty="0"/>
+              <a:t> []</a:t>
+            </a:r>
+          </a:p>
+          <a:p>
+            <a:endParaRPr lang="en" sz="1600" dirty="0"/>
+          </a:p>
+          <a:p>
+            <a:endParaRPr lang="en" sz="1600" dirty="0"/>
+          </a:p>
+          <a:p>
+            <a:r>
+              <a:rPr lang="en" sz="1600" dirty="0"/>
+              <a:t>    </a:t>
+            </a:r>
+            <a:r>
+              <a:rPr lang="en" sz="1600" dirty="0">
+                <a:solidFill>
+                  <a:srgbClr val="FFC000"/>
+                </a:solidFill>
+              </a:rPr>
+              <a:t>def</a:t>
+            </a:r>
+            <a:r>
+              <a:rPr lang="en" sz="1600" dirty="0"/>
+              <a:t> </a:t>
+            </a:r>
+            <a:r>
+              <a:rPr lang="en" sz="1600" dirty="0" err="1">
+                <a:solidFill>
+                  <a:srgbClr val="D883FF"/>
+                </a:solidFill>
+              </a:rPr>
+              <a:t>save_picture</a:t>
+            </a:r>
+            <a:r>
+              <a:rPr lang="en" sz="1600" dirty="0"/>
+              <a:t>(</a:t>
+            </a:r>
+            <a:r>
+              <a:rPr lang="en" sz="1600" dirty="0">
+                <a:solidFill>
+                  <a:srgbClr val="7030A0"/>
+                </a:solidFill>
+              </a:rPr>
+              <a:t>self</a:t>
+            </a:r>
+            <a:r>
+              <a:rPr lang="en" sz="1600" dirty="0"/>
+              <a:t>, path):</a:t>
+            </a:r>
+          </a:p>
+          <a:p>
+            <a:r>
+              <a:rPr lang="en" sz="1600" dirty="0"/>
+              <a:t>        </a:t>
+            </a:r>
+            <a:r>
+              <a:rPr lang="en" sz="1600" dirty="0" err="1">
+                <a:solidFill>
+                  <a:srgbClr val="7030A0"/>
+                </a:solidFill>
+              </a:rPr>
+              <a:t>self</a:t>
+            </a:r>
+            <a:r>
+              <a:rPr lang="en" sz="1600" dirty="0" err="1"/>
+              <a:t>.get_last_image</a:t>
+            </a:r>
+            <a:r>
+              <a:rPr lang="en" sz="1600" dirty="0"/>
+              <a:t>(</a:t>
+            </a:r>
+            <a:r>
+              <a:rPr lang="en" sz="1600" dirty="0">
+                <a:solidFill>
+                  <a:srgbClr val="7030A0"/>
+                </a:solidFill>
+              </a:rPr>
+              <a:t>self</a:t>
+            </a:r>
+            <a:r>
+              <a:rPr lang="en" sz="1600" dirty="0"/>
+              <a:t>).save(path)</a:t>
+            </a:r>
+            <a:endParaRPr lang="ru-RU" sz="1600" dirty="0"/>
           </a:p>
         </p:txBody>
       </p:sp>
@@ -5396,6 +10286,351 @@
     <p:extLst>
       <p:ext uri="{BB962C8B-B14F-4D97-AF65-F5344CB8AC3E}">
         <p14:creationId xmlns:p14="http://schemas.microsoft.com/office/powerpoint/2010/main" val="3626899635"/>
+      </p:ext>
+    </p:extLst>
+  </p:cSld>
+  <p:clrMapOvr>
+    <a:masterClrMapping/>
+  </p:clrMapOvr>
+</p:sld>
+</file>
+
+<file path=ppt/slides/slide9.xml><?xml version="1.0" encoding="utf-8"?>
+<p:sld xmlns:a="http://schemas.openxmlformats.org/drawingml/2006/main" xmlns:r="http://schemas.openxmlformats.org/officeDocument/2006/relationships" xmlns:p="http://schemas.openxmlformats.org/presentationml/2006/main">
+  <p:cSld>
+    <p:bg>
+      <p:bgPr>
+        <a:solidFill>
+          <a:schemeClr val="accent4">
+            <a:lumMod val="20000"/>
+            <a:lumOff val="80000"/>
+            <a:alpha val="30000"/>
+          </a:schemeClr>
+        </a:solidFill>
+        <a:effectLst/>
+      </p:bgPr>
+    </p:bg>
+    <p:spTree>
+      <p:nvGrpSpPr>
+        <p:cNvPr id="1" name=""/>
+        <p:cNvGrpSpPr/>
+        <p:nvPr/>
+      </p:nvGrpSpPr>
+      <p:grpSpPr>
+        <a:xfrm>
+          <a:off x="0" y="0"/>
+          <a:ext cx="0" cy="0"/>
+          <a:chOff x="0" y="0"/>
+          <a:chExt cx="0" cy="0"/>
+        </a:xfrm>
+      </p:grpSpPr>
+      <p:sp>
+        <p:nvSpPr>
+          <p:cNvPr id="2" name="Заголовок 1">
+            <a:extLst>
+              <a:ext uri="{FF2B5EF4-FFF2-40B4-BE49-F238E27FC236}">
+                <a16:creationId xmlns:a16="http://schemas.microsoft.com/office/drawing/2014/main" id="{427CC174-0D2E-D9D8-FED7-5A47DDFB9D1F}"/>
+              </a:ext>
+            </a:extLst>
+          </p:cNvPr>
+          <p:cNvSpPr>
+            <a:spLocks noGrp="1"/>
+          </p:cNvSpPr>
+          <p:nvPr>
+            <p:ph type="title"/>
+          </p:nvPr>
+        </p:nvSpPr>
+        <p:spPr/>
+        <p:txBody>
+          <a:bodyPr/>
+          <a:lstStyle/>
+          <a:p>
+            <a:r>
+              <a:rPr lang="ru-RU" dirty="0">
+                <a:latin typeface="Montserrat" panose="00000500000000000000" pitchFamily="2" charset="-52"/>
+              </a:rPr>
+              <a:t>Код</a:t>
+            </a:r>
+          </a:p>
+        </p:txBody>
+      </p:sp>
+      <p:sp>
+        <p:nvSpPr>
+          <p:cNvPr id="5" name="Прямоугольник 4">
+            <a:extLst>
+              <a:ext uri="{FF2B5EF4-FFF2-40B4-BE49-F238E27FC236}">
+                <a16:creationId xmlns:a16="http://schemas.microsoft.com/office/drawing/2014/main" id="{0403912F-8CD5-EA52-4B22-CBA7ECD5EA8E}"/>
+              </a:ext>
+            </a:extLst>
+          </p:cNvPr>
+          <p:cNvSpPr/>
+          <p:nvPr/>
+        </p:nvSpPr>
+        <p:spPr>
+          <a:xfrm>
+            <a:off x="1" y="772357"/>
+            <a:ext cx="838200" cy="461639"/>
+          </a:xfrm>
+          <a:prstGeom prst="rect">
+            <a:avLst/>
+          </a:prstGeom>
+          <a:solidFill>
+            <a:schemeClr val="accent2">
+              <a:lumMod val="20000"/>
+              <a:lumOff val="80000"/>
+            </a:schemeClr>
+          </a:solidFill>
+          <a:ln>
+            <a:noFill/>
+          </a:ln>
+        </p:spPr>
+        <p:style>
+          <a:lnRef idx="2">
+            <a:schemeClr val="accent1">
+              <a:shade val="50000"/>
+            </a:schemeClr>
+          </a:lnRef>
+          <a:fillRef idx="1">
+            <a:schemeClr val="accent1"/>
+          </a:fillRef>
+          <a:effectRef idx="0">
+            <a:schemeClr val="accent1"/>
+          </a:effectRef>
+          <a:fontRef idx="minor">
+            <a:schemeClr val="lt1"/>
+          </a:fontRef>
+        </p:style>
+        <p:txBody>
+          <a:bodyPr rtlCol="0" anchor="ctr"/>
+          <a:lstStyle/>
+          <a:p>
+            <a:pPr algn="ctr"/>
+            <a:endParaRPr lang="ru-RU"/>
+          </a:p>
+        </p:txBody>
+      </p:sp>
+      <p:sp>
+        <p:nvSpPr>
+          <p:cNvPr id="6" name="Прямоугольник 5">
+            <a:extLst>
+              <a:ext uri="{FF2B5EF4-FFF2-40B4-BE49-F238E27FC236}">
+                <a16:creationId xmlns:a16="http://schemas.microsoft.com/office/drawing/2014/main" id="{F5DCBE3F-D532-C58A-A17E-F18EE4FA97E9}"/>
+              </a:ext>
+            </a:extLst>
+          </p:cNvPr>
+          <p:cNvSpPr/>
+          <p:nvPr/>
+        </p:nvSpPr>
+        <p:spPr>
+          <a:xfrm>
+            <a:off x="2166257" y="797086"/>
+            <a:ext cx="10025741" cy="461639"/>
+          </a:xfrm>
+          <a:prstGeom prst="rect">
+            <a:avLst/>
+          </a:prstGeom>
+          <a:solidFill>
+            <a:schemeClr val="accent2">
+              <a:lumMod val="20000"/>
+              <a:lumOff val="80000"/>
+            </a:schemeClr>
+          </a:solidFill>
+          <a:ln>
+            <a:noFill/>
+          </a:ln>
+        </p:spPr>
+        <p:style>
+          <a:lnRef idx="2">
+            <a:schemeClr val="accent1">
+              <a:shade val="50000"/>
+            </a:schemeClr>
+          </a:lnRef>
+          <a:fillRef idx="1">
+            <a:schemeClr val="accent1"/>
+          </a:fillRef>
+          <a:effectRef idx="0">
+            <a:schemeClr val="accent1"/>
+          </a:effectRef>
+          <a:fontRef idx="minor">
+            <a:schemeClr val="lt1"/>
+          </a:fontRef>
+        </p:style>
+        <p:txBody>
+          <a:bodyPr rtlCol="0" anchor="ctr"/>
+          <a:lstStyle/>
+          <a:p>
+            <a:pPr algn="ctr"/>
+            <a:endParaRPr lang="ru-RU"/>
+          </a:p>
+        </p:txBody>
+      </p:sp>
+      <p:sp>
+        <p:nvSpPr>
+          <p:cNvPr id="7" name="Объект 6">
+            <a:extLst>
+              <a:ext uri="{FF2B5EF4-FFF2-40B4-BE49-F238E27FC236}">
+                <a16:creationId xmlns:a16="http://schemas.microsoft.com/office/drawing/2014/main" id="{91E89D5E-1B9F-45A4-C725-FD500D19CD60}"/>
+              </a:ext>
+            </a:extLst>
+          </p:cNvPr>
+          <p:cNvSpPr>
+            <a:spLocks noGrp="1"/>
+          </p:cNvSpPr>
+          <p:nvPr>
+            <p:ph idx="1"/>
+          </p:nvPr>
+        </p:nvSpPr>
+        <p:spPr>
+          <a:xfrm>
+            <a:off x="419101" y="1485965"/>
+            <a:ext cx="11348515" cy="5006910"/>
+          </a:xfrm>
+        </p:spPr>
+        <p:txBody>
+          <a:bodyPr>
+            <a:normAutofit/>
+          </a:bodyPr>
+          <a:lstStyle/>
+          <a:p>
+            <a:pPr marL="0" indent="0">
+              <a:buNone/>
+            </a:pPr>
+            <a:r>
+              <a:rPr lang="ru-RU" sz="3200" dirty="0">
+                <a:latin typeface="Montserrat Light" panose="00000400000000000000" pitchFamily="2" charset="-52"/>
+              </a:rPr>
+              <a:t>1. </a:t>
+            </a:r>
+            <a:r>
+              <a:rPr lang="en-US" sz="3200" b="1" dirty="0" err="1">
+                <a:latin typeface="Montserrat Light" panose="00000400000000000000" pitchFamily="2" charset="-52"/>
+              </a:rPr>
+              <a:t>add_algorithm</a:t>
+            </a:r>
+            <a:r>
+              <a:rPr lang="en-US" sz="3200" dirty="0">
+                <a:latin typeface="Montserrat Light" panose="00000400000000000000" pitchFamily="2" charset="-52"/>
+              </a:rPr>
+              <a:t>: </a:t>
+            </a:r>
+            <a:r>
+              <a:rPr lang="ru-RU" sz="3200" dirty="0">
+                <a:latin typeface="Montserrat Light" panose="00000400000000000000" pitchFamily="2" charset="-52"/>
+              </a:rPr>
+              <a:t>добавляет в список список, содержащий название алгоритма, параметр1, параметр2, и фотографию, полученную после обработки алгоритмом</a:t>
+            </a:r>
+          </a:p>
+          <a:p>
+            <a:pPr marL="0" indent="0">
+              <a:buNone/>
+            </a:pPr>
+            <a:r>
+              <a:rPr lang="ru-RU" sz="3200" dirty="0">
+                <a:latin typeface="Montserrat Light" panose="00000400000000000000" pitchFamily="2" charset="-52"/>
+              </a:rPr>
+              <a:t>2. </a:t>
+            </a:r>
+            <a:r>
+              <a:rPr lang="en-US" sz="3200" b="1" dirty="0" err="1">
+                <a:latin typeface="Montserrat Light" panose="00000400000000000000" pitchFamily="2" charset="-52"/>
+              </a:rPr>
+              <a:t>get_last_image</a:t>
+            </a:r>
+            <a:r>
+              <a:rPr lang="ru-RU" sz="3200" dirty="0">
+                <a:latin typeface="Montserrat Light" panose="00000400000000000000" pitchFamily="2" charset="-52"/>
+              </a:rPr>
+              <a:t>: возвращает изображение, учитывая обработки предшествующих алгоритмов</a:t>
+            </a:r>
+          </a:p>
+          <a:p>
+            <a:pPr marL="0" indent="0">
+              <a:buNone/>
+            </a:pPr>
+            <a:r>
+              <a:rPr lang="ru-RU" sz="3200" dirty="0">
+                <a:latin typeface="Montserrat Light" panose="00000400000000000000" pitchFamily="2" charset="-52"/>
+              </a:rPr>
+              <a:t>3. </a:t>
+            </a:r>
+            <a:r>
+              <a:rPr lang="en-US" sz="3200" b="1" dirty="0" err="1">
+                <a:latin typeface="Montserrat Light" panose="00000400000000000000" pitchFamily="2" charset="-52"/>
+              </a:rPr>
+              <a:t>alg_last_option</a:t>
+            </a:r>
+            <a:r>
+              <a:rPr lang="en-US" sz="3200" dirty="0">
+                <a:latin typeface="Montserrat Light" panose="00000400000000000000" pitchFamily="2" charset="-52"/>
+              </a:rPr>
+              <a:t>: </a:t>
+            </a:r>
+            <a:r>
+              <a:rPr lang="ru-RU" sz="3200" dirty="0">
+                <a:latin typeface="Montserrat Light" panose="00000400000000000000" pitchFamily="2" charset="-52"/>
+              </a:rPr>
+              <a:t>для </a:t>
+            </a:r>
+            <a:r>
+              <a:rPr lang="ru-RU" sz="3200" dirty="0" err="1">
+                <a:latin typeface="Montserrat Light" panose="00000400000000000000" pitchFamily="2" charset="-52"/>
+              </a:rPr>
+              <a:t>подгружения</a:t>
+            </a:r>
+            <a:r>
+              <a:rPr lang="ru-RU" sz="3200" dirty="0">
+                <a:latin typeface="Montserrat Light" panose="00000400000000000000" pitchFamily="2" charset="-52"/>
+              </a:rPr>
+              <a:t> параметров переключателей при выборе режима из списка</a:t>
+            </a:r>
+            <a:r>
+              <a:rPr lang="en-US" sz="3200" dirty="0">
+                <a:latin typeface="Montserrat Light" panose="00000400000000000000" pitchFamily="2" charset="-52"/>
+              </a:rPr>
+              <a:t> </a:t>
+            </a:r>
+            <a:r>
+              <a:rPr lang="ru-RU" sz="3200" dirty="0">
+                <a:latin typeface="Montserrat Light" panose="00000400000000000000" pitchFamily="2" charset="-52"/>
+              </a:rPr>
+              <a:t>шумов</a:t>
+            </a:r>
+          </a:p>
+          <a:p>
+            <a:pPr marL="0" indent="0">
+              <a:buNone/>
+            </a:pPr>
+            <a:r>
+              <a:rPr lang="ru-RU" sz="3200" dirty="0">
+                <a:latin typeface="Montserrat Light" panose="00000400000000000000" pitchFamily="2" charset="-52"/>
+              </a:rPr>
+              <a:t>4. </a:t>
+            </a:r>
+            <a:r>
+              <a:rPr lang="en-US" sz="3200" b="1" dirty="0" err="1">
+                <a:latin typeface="Montserrat Light" panose="00000400000000000000" pitchFamily="2" charset="-52"/>
+              </a:rPr>
+              <a:t>save_picture</a:t>
+            </a:r>
+            <a:r>
+              <a:rPr lang="en-US" sz="3200" dirty="0">
+                <a:latin typeface="Montserrat Light" panose="00000400000000000000" pitchFamily="2" charset="-52"/>
+              </a:rPr>
+              <a:t>:</a:t>
+            </a:r>
+            <a:r>
+              <a:rPr lang="ru-RU" sz="3200" dirty="0">
+                <a:latin typeface="Montserrat Light" panose="00000400000000000000" pitchFamily="2" charset="-52"/>
+              </a:rPr>
+              <a:t>для сохранения изображения</a:t>
+            </a:r>
+          </a:p>
+        </p:txBody>
+      </p:sp>
+    </p:spTree>
+    <p:extLst>
+      <p:ext uri="{BB962C8B-B14F-4D97-AF65-F5344CB8AC3E}">
+        <p14:creationId xmlns:p14="http://schemas.microsoft.com/office/powerpoint/2010/main" val="3272521089"/>
       </p:ext>
     </p:extLst>
   </p:cSld>
